--- a/Creating Unit Test Mocks - PHPUnit or Prophecy.pptx
+++ b/Creating Unit Test Mocks - PHPUnit or Prophecy.pptx
@@ -163,7 +163,7 @@
   </p:defaultTextStyle>
   <p:extLst>
     <p:ext uri="{EFAFB233-063F-42B5-8137-9DF3F51BA10A}">
-      <p15:sldGuideLst xmlns:p15="http://schemas.microsoft.com/office/powerpoint/2012/main" xmlns=""/>
+      <p15:sldGuideLst xmlns="" xmlns:p15="http://schemas.microsoft.com/office/powerpoint/2012/main"/>
     </p:ext>
   </p:extLst>
 </p:presentation>
@@ -7547,8 +7547,8 @@
         </p:nvSpPr>
         <p:spPr>
           <a:xfrm>
-            <a:off x="838080" y="1872000"/>
-            <a:ext cx="10515600" cy="4351320"/>
+            <a:off x="838080" y="1442434"/>
+            <a:ext cx="10515600" cy="4780886"/>
           </a:xfrm>
           <a:prstGeom prst="rect">
             <a:avLst/>
@@ -7570,7 +7570,7 @@
               <a:buChar char="•"/>
             </a:pPr>
             <a:r>
-              <a:rPr lang="en-GB" sz="2200" strike="noStrike">
+              <a:rPr lang="en-GB" sz="2800" strike="noStrike" dirty="0">
                 <a:solidFill>
                   <a:srgbClr val="000000"/>
                 </a:solidFill>
@@ -7578,7 +7578,7 @@
               </a:rPr>
               <a:t>The real object has non-deterministic behaviour.</a:t>
             </a:r>
-            <a:endParaRPr/>
+            <a:endParaRPr sz="2400" dirty="0"/>
           </a:p>
           <a:p>
             <a:pPr>
@@ -7589,7 +7589,7 @@
               <a:buChar char="•"/>
             </a:pPr>
             <a:r>
-              <a:rPr lang="en-GB" sz="2200" strike="noStrike">
+              <a:rPr lang="en-GB" sz="2800" strike="noStrike" dirty="0">
                 <a:solidFill>
                   <a:srgbClr val="000000"/>
                 </a:solidFill>
@@ -7597,7 +7597,7 @@
               </a:rPr>
               <a:t>The real object is difficult to set up.</a:t>
             </a:r>
-            <a:endParaRPr/>
+            <a:endParaRPr sz="2400" dirty="0"/>
           </a:p>
           <a:p>
             <a:pPr>
@@ -7608,7 +7608,7 @@
               <a:buChar char="•"/>
             </a:pPr>
             <a:r>
-              <a:rPr lang="en-GB" sz="2200" strike="noStrike">
+              <a:rPr lang="en-GB" sz="2800" strike="noStrike" dirty="0">
                 <a:solidFill>
                   <a:srgbClr val="000000"/>
                 </a:solidFill>
@@ -7616,7 +7616,7 @@
               </a:rPr>
               <a:t>The real object has behaviour that is hard to trigger</a:t>
             </a:r>
-            <a:endParaRPr/>
+            <a:endParaRPr sz="2400" dirty="0"/>
           </a:p>
           <a:p>
             <a:pPr>
@@ -7627,7 +7627,7 @@
               <a:buChar char="•"/>
             </a:pPr>
             <a:r>
-              <a:rPr lang="en-GB" sz="2200" strike="noStrike">
+              <a:rPr lang="en-GB" sz="2800" strike="noStrike" dirty="0">
                 <a:solidFill>
                   <a:srgbClr val="000000"/>
                 </a:solidFill>
@@ -7635,7 +7635,7 @@
               </a:rPr>
               <a:t>The real object is slow.</a:t>
             </a:r>
-            <a:endParaRPr/>
+            <a:endParaRPr sz="2400" dirty="0"/>
           </a:p>
           <a:p>
             <a:pPr>
@@ -7646,7 +7646,7 @@
               <a:buChar char="•"/>
             </a:pPr>
             <a:r>
-              <a:rPr lang="en-GB" sz="2200" strike="noStrike">
+              <a:rPr lang="en-GB" sz="2800" strike="noStrike" dirty="0">
                 <a:solidFill>
                   <a:srgbClr val="000000"/>
                 </a:solidFill>
@@ -7654,7 +7654,7 @@
               </a:rPr>
               <a:t>The real object has (or is) a user interface.</a:t>
             </a:r>
-            <a:endParaRPr/>
+            <a:endParaRPr sz="2400" dirty="0"/>
           </a:p>
           <a:p>
             <a:pPr>
@@ -7665,7 +7665,7 @@
               <a:buChar char="•"/>
             </a:pPr>
             <a:r>
-              <a:rPr lang="en-GB" sz="2200" strike="noStrike">
+              <a:rPr lang="en-GB" sz="2800" strike="noStrike" dirty="0">
                 <a:solidFill>
                   <a:srgbClr val="000000"/>
                 </a:solidFill>
@@ -7673,7 +7673,7 @@
               </a:rPr>
               <a:t>The test needs to ask the real object about how it was used</a:t>
             </a:r>
-            <a:endParaRPr/>
+            <a:endParaRPr sz="2400" dirty="0"/>
           </a:p>
           <a:p>
             <a:pPr>
@@ -7684,7 +7684,7 @@
               <a:buChar char="•"/>
             </a:pPr>
             <a:r>
-              <a:rPr lang="en-GB" sz="2200" strike="noStrike">
+              <a:rPr lang="en-GB" sz="2800" strike="noStrike" dirty="0">
                 <a:solidFill>
                   <a:srgbClr val="000000"/>
                 </a:solidFill>
@@ -7692,7 +7692,7 @@
               </a:rPr>
               <a:t>The real object does not yet exist.</a:t>
             </a:r>
-            <a:endParaRPr/>
+            <a:endParaRPr sz="2400" dirty="0"/>
           </a:p>
           <a:p>
             <a:pPr>
@@ -7702,7 +7702,7 @@
               <a:buFont typeface="Arial"/>
               <a:buChar char="•"/>
             </a:pPr>
-            <a:endParaRPr/>
+            <a:endParaRPr sz="2400" dirty="0"/>
           </a:p>
           <a:p>
             <a:pPr>
@@ -7710,7 +7710,7 @@
                 <a:spcPct val="70000"/>
               </a:lnSpc>
             </a:pPr>
-            <a:endParaRPr/>
+            <a:endParaRPr sz="2400" dirty="0"/>
           </a:p>
           <a:p>
             <a:pPr>
@@ -7718,7 +7718,7 @@
                 <a:spcPct val="70000"/>
               </a:lnSpc>
             </a:pPr>
-            <a:endParaRPr/>
+            <a:endParaRPr sz="2400" dirty="0"/>
           </a:p>
         </p:txBody>
       </p:sp>
@@ -8471,69 +8471,84 @@
           <a:bodyPr lIns="0" tIns="0" rIns="0" bIns="0"/>
           <a:lstStyle/>
           <a:p>
-            <a:pPr>
+            <a:pPr marL="457200" indent="-457200">
+              <a:lnSpc>
+                <a:spcPct val="150000"/>
+              </a:lnSpc>
               <a:buSzPct val="45000"/>
-              <a:buFont typeface="StarSymbol"/>
-              <a:buChar char=""/>
-            </a:pPr>
-            <a:r>
-              <a:rPr lang="en-GB" sz="3200">
+              <a:buFont typeface="Arial" pitchFamily="34" charset="0"/>
+              <a:buChar char="•"/>
+            </a:pPr>
+            <a:r>
+              <a:rPr lang="en-GB" sz="3200" dirty="0" smtClean="0">
                 <a:latin typeface="Arial"/>
               </a:rPr>
               <a:t>Dummy</a:t>
             </a:r>
-            <a:endParaRPr/>
-          </a:p>
-          <a:p>
-            <a:pPr>
+            <a:endParaRPr dirty="0"/>
+          </a:p>
+          <a:p>
+            <a:pPr marL="457200" indent="-457200">
+              <a:lnSpc>
+                <a:spcPct val="150000"/>
+              </a:lnSpc>
               <a:buSzPct val="45000"/>
-              <a:buFont typeface="StarSymbol"/>
-              <a:buChar char=""/>
-            </a:pPr>
-            <a:r>
-              <a:rPr lang="en-GB" sz="3200">
+              <a:buFont typeface="Arial" pitchFamily="34" charset="0"/>
+              <a:buChar char="•"/>
+            </a:pPr>
+            <a:r>
+              <a:rPr lang="en-GB" sz="3200" dirty="0">
                 <a:latin typeface="Arial"/>
               </a:rPr>
               <a:t>Stub</a:t>
             </a:r>
-            <a:endParaRPr/>
-          </a:p>
-          <a:p>
-            <a:pPr>
+            <a:endParaRPr dirty="0"/>
+          </a:p>
+          <a:p>
+            <a:pPr marL="457200" indent="-457200">
+              <a:lnSpc>
+                <a:spcPct val="150000"/>
+              </a:lnSpc>
               <a:buSzPct val="45000"/>
-              <a:buFont typeface="StarSymbol"/>
-              <a:buChar char=""/>
-            </a:pPr>
-            <a:r>
-              <a:rPr lang="en-GB" sz="3200">
+              <a:buFont typeface="Arial" pitchFamily="34" charset="0"/>
+              <a:buChar char="•"/>
+            </a:pPr>
+            <a:r>
+              <a:rPr lang="en-GB" sz="3200" dirty="0">
                 <a:latin typeface="Arial"/>
               </a:rPr>
               <a:t>Spy</a:t>
             </a:r>
-            <a:endParaRPr/>
-          </a:p>
-          <a:p>
-            <a:pPr>
+            <a:endParaRPr dirty="0"/>
+          </a:p>
+          <a:p>
+            <a:pPr marL="457200" indent="-457200">
+              <a:lnSpc>
+                <a:spcPct val="150000"/>
+              </a:lnSpc>
               <a:buSzPct val="45000"/>
-              <a:buFont typeface="StarSymbol"/>
-              <a:buChar char=""/>
-            </a:pPr>
-            <a:r>
-              <a:rPr lang="en-GB" sz="3200">
+              <a:buFont typeface="Arial" pitchFamily="34" charset="0"/>
+              <a:buChar char="•"/>
+            </a:pPr>
+            <a:r>
+              <a:rPr lang="en-GB" sz="3200" dirty="0">
                 <a:latin typeface="Arial"/>
               </a:rPr>
               <a:t>Mock</a:t>
             </a:r>
-            <a:endParaRPr/>
-          </a:p>
-          <a:p>
-            <a:pPr>
+            <a:endParaRPr dirty="0"/>
+          </a:p>
+          <a:p>
+            <a:pPr marL="457200" indent="-457200">
+              <a:lnSpc>
+                <a:spcPct val="150000"/>
+              </a:lnSpc>
               <a:buSzPct val="45000"/>
-              <a:buFont typeface="StarSymbol"/>
-              <a:buChar char=""/>
-            </a:pPr>
-            <a:r>
-              <a:rPr lang="en-GB" sz="3200">
+              <a:buFont typeface="Arial" pitchFamily="34" charset="0"/>
+              <a:buChar char="•"/>
+            </a:pPr>
+            <a:r>
+              <a:rPr lang="en-GB" sz="3200" dirty="0">
                 <a:solidFill>
                   <a:srgbClr val="FF3333"/>
                 </a:solidFill>
@@ -8541,16 +8556,19 @@
               </a:rPr>
               <a:t>Fake</a:t>
             </a:r>
-            <a:endParaRPr/>
-          </a:p>
-          <a:p>
-            <a:pPr>
+            <a:endParaRPr dirty="0"/>
+          </a:p>
+          <a:p>
+            <a:pPr marL="457200" indent="-457200">
+              <a:lnSpc>
+                <a:spcPct val="150000"/>
+              </a:lnSpc>
               <a:buSzPct val="45000"/>
-              <a:buFont typeface="StarSymbol"/>
-              <a:buChar char=""/>
-            </a:pPr>
-            <a:r>
-              <a:rPr lang="en-GB" sz="3200">
+              <a:buFont typeface="Arial" pitchFamily="34" charset="0"/>
+              <a:buChar char="•"/>
+            </a:pPr>
+            <a:r>
+              <a:rPr lang="en-GB" sz="3200" dirty="0">
                 <a:solidFill>
                   <a:srgbClr val="FF3333"/>
                 </a:solidFill>
@@ -8558,7 +8576,7 @@
               </a:rPr>
               <a:t>Temporary Test Stub</a:t>
             </a:r>
-            <a:endParaRPr/>
+            <a:endParaRPr dirty="0"/>
           </a:p>
         </p:txBody>
       </p:sp>
@@ -9302,7 +9320,7 @@
               </a:lnSpc>
             </a:pPr>
             <a:r>
-              <a:rPr lang="en-GB" sz="2400" strike="noStrike">
+              <a:rPr lang="en-GB" sz="2800" strike="noStrike" dirty="0">
                 <a:solidFill>
                   <a:srgbClr val="7030A0"/>
                 </a:solidFill>
@@ -9311,24 +9329,40 @@
               <a:t>class</a:t>
             </a:r>
             <a:r>
-              <a:rPr lang="en-GB" sz="2400" strike="noStrike">
-                <a:solidFill>
-                  <a:srgbClr val="000000"/>
-                </a:solidFill>
-                <a:latin typeface="Calibri"/>
-              </a:rPr>
-              <a:t> Extractor {</a:t>
-            </a:r>
-            <a:endParaRPr/>
-          </a:p>
-          <a:p>
-            <a:pPr>
-              <a:lnSpc>
-                <a:spcPct val="90000"/>
-              </a:lnSpc>
-            </a:pPr>
-            <a:r>
-              <a:rPr lang="en-GB" sz="2400" strike="noStrike">
+              <a:rPr lang="en-GB" sz="2800" strike="noStrike" dirty="0">
+                <a:solidFill>
+                  <a:srgbClr val="000000"/>
+                </a:solidFill>
+                <a:latin typeface="Calibri"/>
+              </a:rPr>
+              <a:t> Extractor </a:t>
+            </a:r>
+            <a:r>
+              <a:rPr lang="en-GB" sz="2800" strike="noStrike" dirty="0" smtClean="0">
+                <a:solidFill>
+                  <a:srgbClr val="000000"/>
+                </a:solidFill>
+                <a:latin typeface="Calibri"/>
+              </a:rPr>
+              <a:t>{</a:t>
+            </a:r>
+          </a:p>
+          <a:p>
+            <a:pPr>
+              <a:lnSpc>
+                <a:spcPct val="90000"/>
+              </a:lnSpc>
+            </a:pPr>
+            <a:endParaRPr sz="2000" dirty="0"/>
+          </a:p>
+          <a:p>
+            <a:pPr>
+              <a:lnSpc>
+                <a:spcPct val="90000"/>
+              </a:lnSpc>
+            </a:pPr>
+            <a:r>
+              <a:rPr lang="en-GB" sz="2800" strike="noStrike" dirty="0">
                 <a:solidFill>
                   <a:srgbClr val="000000"/>
                 </a:solidFill>
@@ -9337,7 +9371,7 @@
               <a:t>    </a:t>
             </a:r>
             <a:r>
-              <a:rPr lang="en-GB" sz="2400" strike="noStrike">
+              <a:rPr lang="en-GB" sz="2800" strike="noStrike" dirty="0">
                 <a:solidFill>
                   <a:srgbClr val="FFC000"/>
                 </a:solidFill>
@@ -9346,7 +9380,7 @@
               <a:t>protected</a:t>
             </a:r>
             <a:r>
-              <a:rPr lang="en-GB" sz="2400" strike="noStrike">
+              <a:rPr lang="en-GB" sz="2800" strike="noStrike" dirty="0">
                 <a:solidFill>
                   <a:srgbClr val="000000"/>
                 </a:solidFill>
@@ -9355,7 +9389,7 @@
               <a:t> </a:t>
             </a:r>
             <a:r>
-              <a:rPr lang="en-GB" sz="2400" strike="noStrike">
+              <a:rPr lang="en-GB" sz="2800" strike="noStrike" dirty="0">
                 <a:solidFill>
                   <a:srgbClr val="0070C0"/>
                 </a:solidFill>
@@ -9364,7 +9398,7 @@
               <a:t>$log</a:t>
             </a:r>
             <a:r>
-              <a:rPr lang="en-GB" sz="2400" strike="noStrike">
+              <a:rPr lang="en-GB" sz="2800" strike="noStrike" dirty="0" smtClean="0">
                 <a:solidFill>
                   <a:srgbClr val="000000"/>
                 </a:solidFill>
@@ -9372,16 +9406,23 @@
               </a:rPr>
               <a:t>;</a:t>
             </a:r>
-            <a:endParaRPr/>
-          </a:p>
-          <a:p>
-            <a:pPr>
-              <a:lnSpc>
-                <a:spcPct val="90000"/>
-              </a:lnSpc>
-            </a:pPr>
-            <a:r>
-              <a:rPr lang="en-GB" sz="2400" strike="noStrike">
+          </a:p>
+          <a:p>
+            <a:pPr>
+              <a:lnSpc>
+                <a:spcPct val="90000"/>
+              </a:lnSpc>
+            </a:pPr>
+            <a:endParaRPr sz="2000" dirty="0"/>
+          </a:p>
+          <a:p>
+            <a:pPr>
+              <a:lnSpc>
+                <a:spcPct val="90000"/>
+              </a:lnSpc>
+            </a:pPr>
+            <a:r>
+              <a:rPr lang="en-GB" sz="2800" strike="noStrike" dirty="0">
                 <a:solidFill>
                   <a:srgbClr val="000000"/>
                 </a:solidFill>
@@ -9390,7 +9431,7 @@
               <a:t>    </a:t>
             </a:r>
             <a:r>
-              <a:rPr lang="en-GB" sz="2400" strike="noStrike">
+              <a:rPr lang="en-GB" sz="2800" strike="noStrike" dirty="0">
                 <a:solidFill>
                   <a:srgbClr val="00B050"/>
                 </a:solidFill>
@@ -9399,7 +9440,7 @@
               <a:t>public</a:t>
             </a:r>
             <a:r>
-              <a:rPr lang="en-GB" sz="2400" strike="noStrike">
+              <a:rPr lang="en-GB" sz="2800" strike="noStrike" dirty="0">
                 <a:solidFill>
                   <a:srgbClr val="000000"/>
                 </a:solidFill>
@@ -9408,7 +9449,7 @@
               <a:t> </a:t>
             </a:r>
             <a:r>
-              <a:rPr lang="en-GB" sz="2400" strike="noStrike">
+              <a:rPr lang="en-GB" sz="2800" strike="noStrike" dirty="0">
                 <a:solidFill>
                   <a:srgbClr val="7030A0"/>
                 </a:solidFill>
@@ -9417,7 +9458,7 @@
               <a:t>function</a:t>
             </a:r>
             <a:r>
-              <a:rPr lang="en-GB" sz="2400" strike="noStrike">
+              <a:rPr lang="en-GB" sz="2800" strike="noStrike" dirty="0">
                 <a:solidFill>
                   <a:srgbClr val="000000"/>
                 </a:solidFill>
@@ -9425,16 +9466,16 @@
               </a:rPr>
               <a:t> __construct(Logger $log) {</a:t>
             </a:r>
-            <a:endParaRPr/>
-          </a:p>
-          <a:p>
-            <a:pPr>
-              <a:lnSpc>
-                <a:spcPct val="90000"/>
-              </a:lnSpc>
-            </a:pPr>
-            <a:r>
-              <a:rPr lang="en-GB" sz="2400" strike="noStrike">
+            <a:endParaRPr sz="2000" dirty="0"/>
+          </a:p>
+          <a:p>
+            <a:pPr>
+              <a:lnSpc>
+                <a:spcPct val="90000"/>
+              </a:lnSpc>
+            </a:pPr>
+            <a:r>
+              <a:rPr lang="en-GB" sz="2800" strike="noStrike" dirty="0">
                 <a:solidFill>
                   <a:srgbClr val="000000"/>
                 </a:solidFill>
@@ -9443,7 +9484,7 @@
               <a:t>        $this-&gt;</a:t>
             </a:r>
             <a:r>
-              <a:rPr lang="en-GB" sz="2400" strike="noStrike">
+              <a:rPr lang="en-GB" sz="2800" strike="noStrike" dirty="0">
                 <a:solidFill>
                   <a:srgbClr val="0070C0"/>
                 </a:solidFill>
@@ -9452,7 +9493,7 @@
               <a:t>log</a:t>
             </a:r>
             <a:r>
-              <a:rPr lang="en-GB" sz="2400" strike="noStrike">
+              <a:rPr lang="en-GB" sz="2800" strike="noStrike" dirty="0">
                 <a:solidFill>
                   <a:srgbClr val="000000"/>
                 </a:solidFill>
@@ -9460,16 +9501,155 @@
               </a:rPr>
               <a:t> = $log;</a:t>
             </a:r>
-            <a:endParaRPr/>
-          </a:p>
-          <a:p>
-            <a:pPr>
-              <a:lnSpc>
-                <a:spcPct val="90000"/>
-              </a:lnSpc>
-            </a:pPr>
-            <a:r>
-              <a:rPr lang="en-GB" sz="2400" strike="noStrike">
+            <a:endParaRPr sz="2000" dirty="0"/>
+          </a:p>
+          <a:p>
+            <a:pPr>
+              <a:lnSpc>
+                <a:spcPct val="90000"/>
+              </a:lnSpc>
+            </a:pPr>
+            <a:r>
+              <a:rPr lang="en-GB" sz="2800" strike="noStrike" dirty="0">
+                <a:solidFill>
+                  <a:srgbClr val="000000"/>
+                </a:solidFill>
+                <a:latin typeface="Calibri"/>
+              </a:rPr>
+              <a:t>    </a:t>
+            </a:r>
+            <a:r>
+              <a:rPr lang="en-GB" sz="2800" strike="noStrike" dirty="0" smtClean="0">
+                <a:solidFill>
+                  <a:srgbClr val="000000"/>
+                </a:solidFill>
+                <a:latin typeface="Calibri"/>
+              </a:rPr>
+              <a:t>}</a:t>
+            </a:r>
+          </a:p>
+          <a:p>
+            <a:pPr>
+              <a:lnSpc>
+                <a:spcPct val="90000"/>
+              </a:lnSpc>
+            </a:pPr>
+            <a:endParaRPr sz="2000" dirty="0"/>
+          </a:p>
+          <a:p>
+            <a:pPr>
+              <a:lnSpc>
+                <a:spcPct val="90000"/>
+              </a:lnSpc>
+            </a:pPr>
+            <a:r>
+              <a:rPr lang="en-GB" sz="2800" strike="noStrike" dirty="0">
+                <a:solidFill>
+                  <a:srgbClr val="000000"/>
+                </a:solidFill>
+                <a:latin typeface="Calibri"/>
+              </a:rPr>
+              <a:t>    </a:t>
+            </a:r>
+            <a:r>
+              <a:rPr lang="en-GB" sz="2800" strike="noStrike" dirty="0">
+                <a:solidFill>
+                  <a:srgbClr val="00B050"/>
+                </a:solidFill>
+                <a:latin typeface="Calibri"/>
+              </a:rPr>
+              <a:t>public</a:t>
+            </a:r>
+            <a:r>
+              <a:rPr lang="en-GB" sz="2800" strike="noStrike" dirty="0">
+                <a:solidFill>
+                  <a:srgbClr val="000000"/>
+                </a:solidFill>
+                <a:latin typeface="Calibri"/>
+              </a:rPr>
+              <a:t> </a:t>
+            </a:r>
+            <a:r>
+              <a:rPr lang="en-GB" sz="2800" strike="noStrike" dirty="0">
+                <a:solidFill>
+                  <a:srgbClr val="7030A0"/>
+                </a:solidFill>
+                <a:latin typeface="Calibri"/>
+              </a:rPr>
+              <a:t>function</a:t>
+            </a:r>
+            <a:r>
+              <a:rPr lang="en-GB" sz="2800" strike="noStrike" dirty="0">
+                <a:solidFill>
+                  <a:srgbClr val="000000"/>
+                </a:solidFill>
+                <a:latin typeface="Calibri"/>
+              </a:rPr>
+              <a:t> </a:t>
+            </a:r>
+            <a:r>
+              <a:rPr lang="en-GB" sz="2800" strike="noStrike" dirty="0" err="1">
+                <a:solidFill>
+                  <a:srgbClr val="000000"/>
+                </a:solidFill>
+                <a:latin typeface="Calibri"/>
+              </a:rPr>
+              <a:t>getLog</a:t>
+            </a:r>
+            <a:r>
+              <a:rPr lang="en-GB" sz="2800" strike="noStrike" dirty="0">
+                <a:solidFill>
+                  <a:srgbClr val="000000"/>
+                </a:solidFill>
+                <a:latin typeface="Calibri"/>
+              </a:rPr>
+              <a:t>() {</a:t>
+            </a:r>
+            <a:endParaRPr sz="2000" dirty="0"/>
+          </a:p>
+          <a:p>
+            <a:pPr>
+              <a:lnSpc>
+                <a:spcPct val="90000"/>
+              </a:lnSpc>
+            </a:pPr>
+            <a:r>
+              <a:rPr lang="en-GB" sz="2800" strike="noStrike" dirty="0">
+                <a:solidFill>
+                  <a:srgbClr val="000000"/>
+                </a:solidFill>
+                <a:latin typeface="Calibri"/>
+              </a:rPr>
+              <a:t>        return $this-&gt;</a:t>
+            </a:r>
+            <a:r>
+              <a:rPr lang="en-GB" sz="2800" strike="noStrike" dirty="0">
+                <a:solidFill>
+                  <a:srgbClr val="0070C0"/>
+                </a:solidFill>
+                <a:latin typeface="Calibri"/>
+              </a:rPr>
+              <a:t>log</a:t>
+            </a:r>
+            <a:r>
+              <a:rPr lang="en-GB" sz="2800" strike="noStrike" dirty="0">
+                <a:solidFill>
+                  <a:srgbClr val="000000"/>
+                </a:solidFill>
+                <a:latin typeface="Calibri"/>
+              </a:rPr>
+              <a:t>;</a:t>
+            </a:r>
+            <a:endParaRPr sz="2000" dirty="0"/>
+          </a:p>
+          <a:p>
+            <a:pPr>
+              <a:lnSpc>
+                <a:spcPct val="90000"/>
+              </a:lnSpc>
+            </a:pPr>
+            <a:r>
+              <a:rPr lang="en-GB" sz="2800" strike="noStrike" dirty="0">
                 <a:solidFill>
                   <a:srgbClr val="000000"/>
                 </a:solidFill>
@@ -9477,121 +9657,16 @@
               </a:rPr>
               <a:t>    }</a:t>
             </a:r>
-            <a:endParaRPr/>
-          </a:p>
-          <a:p>
-            <a:pPr>
-              <a:lnSpc>
-                <a:spcPct val="90000"/>
-              </a:lnSpc>
-            </a:pPr>
-            <a:r>
-              <a:rPr lang="en-GB" sz="2400" strike="noStrike">
-                <a:solidFill>
-                  <a:srgbClr val="000000"/>
-                </a:solidFill>
-                <a:latin typeface="Calibri"/>
-              </a:rPr>
-              <a:t>    </a:t>
-            </a:r>
-            <a:r>
-              <a:rPr lang="en-GB" sz="2400" strike="noStrike">
-                <a:solidFill>
-                  <a:srgbClr val="00B050"/>
-                </a:solidFill>
-                <a:latin typeface="Calibri"/>
-              </a:rPr>
-              <a:t>public</a:t>
-            </a:r>
-            <a:r>
-              <a:rPr lang="en-GB" sz="2400" strike="noStrike">
-                <a:solidFill>
-                  <a:srgbClr val="000000"/>
-                </a:solidFill>
-                <a:latin typeface="Calibri"/>
-              </a:rPr>
-              <a:t> </a:t>
-            </a:r>
-            <a:r>
-              <a:rPr lang="en-GB" sz="2400" strike="noStrike">
-                <a:solidFill>
-                  <a:srgbClr val="7030A0"/>
-                </a:solidFill>
-                <a:latin typeface="Calibri"/>
-              </a:rPr>
-              <a:t>function</a:t>
-            </a:r>
-            <a:r>
-              <a:rPr lang="en-GB" sz="2400" strike="noStrike">
-                <a:solidFill>
-                  <a:srgbClr val="000000"/>
-                </a:solidFill>
-                <a:latin typeface="Calibri"/>
-              </a:rPr>
-              <a:t> getLog() {</a:t>
-            </a:r>
-            <a:endParaRPr/>
-          </a:p>
-          <a:p>
-            <a:pPr>
-              <a:lnSpc>
-                <a:spcPct val="90000"/>
-              </a:lnSpc>
-            </a:pPr>
-            <a:r>
-              <a:rPr lang="en-GB" sz="2400" strike="noStrike">
-                <a:solidFill>
-                  <a:srgbClr val="000000"/>
-                </a:solidFill>
-                <a:latin typeface="Calibri"/>
-              </a:rPr>
-              <a:t>        return $this-&gt;</a:t>
-            </a:r>
-            <a:r>
-              <a:rPr lang="en-GB" sz="2400" strike="noStrike">
-                <a:solidFill>
-                  <a:srgbClr val="0070C0"/>
-                </a:solidFill>
-                <a:latin typeface="Calibri"/>
-              </a:rPr>
-              <a:t>log</a:t>
-            </a:r>
-            <a:r>
-              <a:rPr lang="en-GB" sz="2400" strike="noStrike">
-                <a:solidFill>
-                  <a:srgbClr val="000000"/>
-                </a:solidFill>
-                <a:latin typeface="Calibri"/>
-              </a:rPr>
-              <a:t>;</a:t>
-            </a:r>
-            <a:endParaRPr/>
-          </a:p>
-          <a:p>
-            <a:pPr>
-              <a:lnSpc>
-                <a:spcPct val="90000"/>
-              </a:lnSpc>
-            </a:pPr>
-            <a:r>
-              <a:rPr lang="en-GB" sz="2400" strike="noStrike">
-                <a:solidFill>
-                  <a:srgbClr val="000000"/>
-                </a:solidFill>
-                <a:latin typeface="Calibri"/>
-              </a:rPr>
-              <a:t>    }</a:t>
-            </a:r>
-            <a:endParaRPr/>
-          </a:p>
-          <a:p>
-            <a:pPr>
-              <a:lnSpc>
-                <a:spcPct val="90000"/>
-              </a:lnSpc>
-            </a:pPr>
-            <a:r>
-              <a:rPr lang="en-GB" sz="2400" strike="noStrike">
+            <a:endParaRPr sz="2000" dirty="0"/>
+          </a:p>
+          <a:p>
+            <a:pPr>
+              <a:lnSpc>
+                <a:spcPct val="90000"/>
+              </a:lnSpc>
+            </a:pPr>
+            <a:r>
+              <a:rPr lang="en-GB" sz="2800" strike="noStrike" dirty="0">
                 <a:solidFill>
                   <a:srgbClr val="000000"/>
                 </a:solidFill>
@@ -9599,7 +9674,7 @@
               </a:rPr>
               <a:t>}</a:t>
             </a:r>
-            <a:endParaRPr/>
+            <a:endParaRPr sz="2000" dirty="0"/>
           </a:p>
         </p:txBody>
       </p:sp>
@@ -9710,7 +9785,7 @@
               </a:lnSpc>
             </a:pPr>
             <a:r>
-              <a:rPr lang="en-GB" sz="2000" strike="noStrike" dirty="0" err="1">
+              <a:rPr lang="en-GB" sz="2400" strike="noStrike" dirty="0" err="1">
                 <a:solidFill>
                   <a:srgbClr val="7030A0"/>
                 </a:solidFill>
@@ -9719,7 +9794,7 @@
               <a:t>include_once</a:t>
             </a:r>
             <a:r>
-              <a:rPr lang="en-GB" sz="2000" strike="noStrike" dirty="0">
+              <a:rPr lang="en-GB" sz="2400" strike="noStrike" dirty="0">
                 <a:solidFill>
                   <a:srgbClr val="7030A0"/>
                 </a:solidFill>
@@ -9728,7 +9803,7 @@
               <a:t> </a:t>
             </a:r>
             <a:r>
-              <a:rPr lang="en-GB" sz="2000" strike="noStrike" dirty="0">
+              <a:rPr lang="en-GB" sz="2400" strike="noStrike" dirty="0">
                 <a:solidFill>
                   <a:srgbClr val="0070C0"/>
                 </a:solidFill>
@@ -9737,7 +9812,7 @@
               <a:t>'</a:t>
             </a:r>
             <a:r>
-              <a:rPr lang="en-GB" sz="2000" strike="noStrike" dirty="0" err="1">
+              <a:rPr lang="en-GB" sz="2400" strike="noStrike" dirty="0" err="1">
                 <a:solidFill>
                   <a:srgbClr val="0070C0"/>
                 </a:solidFill>
@@ -9746,7 +9821,7 @@
               <a:t>Extractor.php</a:t>
             </a:r>
             <a:r>
-              <a:rPr lang="en-GB" sz="2000" strike="noStrike" dirty="0">
+              <a:rPr lang="en-GB" sz="2400" strike="noStrike" dirty="0">
                 <a:solidFill>
                   <a:srgbClr val="0070C0"/>
                 </a:solidFill>
@@ -9755,7 +9830,7 @@
               <a:t>'</a:t>
             </a:r>
             <a:r>
-              <a:rPr lang="en-GB" sz="2000" strike="noStrike" dirty="0">
+              <a:rPr lang="en-GB" sz="2400" strike="noStrike" dirty="0">
                 <a:solidFill>
                   <a:srgbClr val="7030A0"/>
                 </a:solidFill>
@@ -9763,16 +9838,16 @@
               </a:rPr>
               <a:t>;</a:t>
             </a:r>
-            <a:endParaRPr sz="2000" dirty="0"/>
-          </a:p>
-          <a:p>
-            <a:pPr>
-              <a:lnSpc>
-                <a:spcPct val="90000"/>
-              </a:lnSpc>
-            </a:pPr>
-            <a:r>
-              <a:rPr lang="en-GB" sz="2000" strike="noStrike" dirty="0">
+            <a:endParaRPr sz="2400" dirty="0"/>
+          </a:p>
+          <a:p>
+            <a:pPr>
+              <a:lnSpc>
+                <a:spcPct val="90000"/>
+              </a:lnSpc>
+            </a:pPr>
+            <a:r>
+              <a:rPr lang="en-GB" sz="2400" strike="noStrike" dirty="0">
                 <a:solidFill>
                   <a:srgbClr val="7030A0"/>
                 </a:solidFill>
@@ -9781,7 +9856,7 @@
               <a:t>class</a:t>
             </a:r>
             <a:r>
-              <a:rPr lang="en-GB" sz="2000" strike="noStrike" dirty="0">
+              <a:rPr lang="en-GB" sz="2400" strike="noStrike" dirty="0">
                 <a:solidFill>
                   <a:srgbClr val="000000"/>
                 </a:solidFill>
@@ -9790,7 +9865,7 @@
               <a:t> </a:t>
             </a:r>
             <a:r>
-              <a:rPr lang="en-GB" sz="2000" strike="noStrike" dirty="0" err="1">
+              <a:rPr lang="en-GB" sz="2400" strike="noStrike" dirty="0" err="1">
                 <a:solidFill>
                   <a:srgbClr val="000000"/>
                 </a:solidFill>
@@ -9799,7 +9874,7 @@
               <a:t>DummyTest</a:t>
             </a:r>
             <a:r>
-              <a:rPr lang="en-GB" sz="2000" strike="noStrike" dirty="0">
+              <a:rPr lang="en-GB" sz="2400" strike="noStrike" dirty="0">
                 <a:solidFill>
                   <a:srgbClr val="000000"/>
                 </a:solidFill>
@@ -9808,7 +9883,7 @@
               <a:t> </a:t>
             </a:r>
             <a:r>
-              <a:rPr lang="en-GB" sz="2000" strike="noStrike" dirty="0">
+              <a:rPr lang="en-GB" sz="2400" strike="noStrike" dirty="0">
                 <a:solidFill>
                   <a:srgbClr val="7030A0"/>
                 </a:solidFill>
@@ -9817,7 +9892,7 @@
               <a:t>extends</a:t>
             </a:r>
             <a:r>
-              <a:rPr lang="en-GB" sz="2000" strike="noStrike" dirty="0">
+              <a:rPr lang="en-GB" sz="2400" strike="noStrike" dirty="0">
                 <a:solidFill>
                   <a:srgbClr val="000000"/>
                 </a:solidFill>
@@ -9826,7 +9901,7 @@
               <a:t> </a:t>
             </a:r>
             <a:r>
-              <a:rPr lang="en-GB" sz="2000" strike="noStrike" dirty="0" err="1">
+              <a:rPr lang="en-GB" sz="2400" strike="noStrike" dirty="0" err="1">
                 <a:solidFill>
                   <a:srgbClr val="000000"/>
                 </a:solidFill>
@@ -9835,7 +9910,7 @@
               <a:t>PHPUnit_Framework_TestCase</a:t>
             </a:r>
             <a:r>
-              <a:rPr lang="en-GB" sz="2000" strike="noStrike" dirty="0">
+              <a:rPr lang="en-GB" sz="2400" strike="noStrike" dirty="0">
                 <a:solidFill>
                   <a:srgbClr val="000000"/>
                 </a:solidFill>
@@ -9843,24 +9918,24 @@
               </a:rPr>
               <a:t> {</a:t>
             </a:r>
-            <a:endParaRPr sz="2000" dirty="0"/>
-          </a:p>
-          <a:p>
-            <a:pPr>
-              <a:lnSpc>
-                <a:spcPct val="90000"/>
-              </a:lnSpc>
-            </a:pPr>
-            <a:endParaRPr sz="2000" dirty="0"/>
-          </a:p>
-          <a:p>
-            <a:pPr>
-              <a:lnSpc>
-                <a:spcPct val="90000"/>
-              </a:lnSpc>
-            </a:pPr>
-            <a:r>
-              <a:rPr lang="en-GB" sz="2000" strike="noStrike" dirty="0">
+            <a:endParaRPr sz="2400" dirty="0"/>
+          </a:p>
+          <a:p>
+            <a:pPr>
+              <a:lnSpc>
+                <a:spcPct val="90000"/>
+              </a:lnSpc>
+            </a:pPr>
+            <a:endParaRPr sz="2400" dirty="0"/>
+          </a:p>
+          <a:p>
+            <a:pPr>
+              <a:lnSpc>
+                <a:spcPct val="90000"/>
+              </a:lnSpc>
+            </a:pPr>
+            <a:r>
+              <a:rPr lang="en-GB" sz="2400" strike="noStrike" dirty="0">
                 <a:solidFill>
                   <a:srgbClr val="000000"/>
                 </a:solidFill>
@@ -9869,7 +9944,7 @@
               <a:t>    </a:t>
             </a:r>
             <a:r>
-              <a:rPr lang="en-GB" sz="2000" strike="noStrike" dirty="0">
+              <a:rPr lang="en-GB" sz="2400" strike="noStrike" dirty="0">
                 <a:solidFill>
                   <a:srgbClr val="00B050"/>
                 </a:solidFill>
@@ -9878,7 +9953,7 @@
               <a:t>public</a:t>
             </a:r>
             <a:r>
-              <a:rPr lang="en-GB" sz="2000" strike="noStrike" dirty="0">
+              <a:rPr lang="en-GB" sz="2400" strike="noStrike" dirty="0">
                 <a:solidFill>
                   <a:srgbClr val="000000"/>
                 </a:solidFill>
@@ -9887,7 +9962,7 @@
               <a:t> </a:t>
             </a:r>
             <a:r>
-              <a:rPr lang="en-GB" sz="2000" strike="noStrike" dirty="0">
+              <a:rPr lang="en-GB" sz="2400" strike="noStrike" dirty="0">
                 <a:solidFill>
                   <a:srgbClr val="7030A0"/>
                 </a:solidFill>
@@ -9896,7 +9971,7 @@
               <a:t>function</a:t>
             </a:r>
             <a:r>
-              <a:rPr lang="en-GB" sz="2000" strike="noStrike" dirty="0">
+              <a:rPr lang="en-GB" sz="2400" strike="noStrike" dirty="0">
                 <a:solidFill>
                   <a:srgbClr val="000000"/>
                 </a:solidFill>
@@ -9905,7 +9980,7 @@
               <a:t> </a:t>
             </a:r>
             <a:r>
-              <a:rPr lang="en-GB" sz="2000" strike="noStrike" dirty="0" err="1">
+              <a:rPr lang="en-GB" sz="2400" strike="noStrike" dirty="0" err="1">
                 <a:solidFill>
                   <a:srgbClr val="000000"/>
                 </a:solidFill>
@@ -9914,7 +9989,7 @@
               <a:t>testDemonstratePhpunitDummy</a:t>
             </a:r>
             <a:r>
-              <a:rPr lang="en-GB" sz="2000" strike="noStrike" dirty="0">
+              <a:rPr lang="en-GB" sz="2400" strike="noStrike" dirty="0">
                 <a:solidFill>
                   <a:srgbClr val="000000"/>
                 </a:solidFill>
@@ -9922,16 +9997,16 @@
               </a:rPr>
               <a:t>() {</a:t>
             </a:r>
-            <a:endParaRPr sz="2000" dirty="0"/>
-          </a:p>
-          <a:p>
-            <a:pPr>
-              <a:lnSpc>
-                <a:spcPct val="90000"/>
-              </a:lnSpc>
-            </a:pPr>
-            <a:r>
-              <a:rPr lang="en-GB" sz="2000" strike="noStrike" dirty="0">
+            <a:endParaRPr sz="2400" dirty="0"/>
+          </a:p>
+          <a:p>
+            <a:pPr>
+              <a:lnSpc>
+                <a:spcPct val="90000"/>
+              </a:lnSpc>
+            </a:pPr>
+            <a:r>
+              <a:rPr lang="en-GB" sz="2400" strike="noStrike" dirty="0">
                 <a:solidFill>
                   <a:srgbClr val="000000"/>
                 </a:solidFill>
@@ -9940,7 +10015,7 @@
               <a:t>        $fixture = </a:t>
             </a:r>
             <a:r>
-              <a:rPr lang="en-GB" sz="2000" strike="noStrike" dirty="0">
+              <a:rPr lang="en-GB" sz="2400" strike="noStrike" dirty="0">
                 <a:solidFill>
                   <a:srgbClr val="7030A0"/>
                 </a:solidFill>
@@ -9949,7 +10024,7 @@
               <a:t>new</a:t>
             </a:r>
             <a:r>
-              <a:rPr lang="en-GB" sz="2000" strike="noStrike" dirty="0">
+              <a:rPr lang="en-GB" sz="2400" strike="noStrike" dirty="0">
                 <a:solidFill>
                   <a:srgbClr val="000000"/>
                 </a:solidFill>
@@ -9958,7 +10033,7 @@
               <a:t> Extractor($this-&gt;</a:t>
             </a:r>
             <a:r>
-              <a:rPr lang="en-GB" sz="2000" strike="noStrike" dirty="0" err="1">
+              <a:rPr lang="en-GB" sz="2400" strike="noStrike" dirty="0" err="1">
                 <a:solidFill>
                   <a:srgbClr val="000000"/>
                 </a:solidFill>
@@ -9967,7 +10042,7 @@
               <a:t>getMock</a:t>
             </a:r>
             <a:r>
-              <a:rPr lang="en-GB" sz="2000" strike="noStrike" dirty="0">
+              <a:rPr lang="en-GB" sz="2400" strike="noStrike" dirty="0">
                 <a:solidFill>
                   <a:srgbClr val="000000"/>
                 </a:solidFill>
@@ -9976,7 +10051,7 @@
               <a:t>(</a:t>
             </a:r>
             <a:r>
-              <a:rPr lang="en-GB" sz="2000" strike="noStrike" dirty="0">
+              <a:rPr lang="en-GB" sz="2400" strike="noStrike" dirty="0">
                 <a:solidFill>
                   <a:srgbClr val="0070C0"/>
                 </a:solidFill>
@@ -9985,7 +10060,7 @@
               <a:t>'Logger'</a:t>
             </a:r>
             <a:r>
-              <a:rPr lang="en-GB" sz="2000" strike="noStrike" dirty="0">
+              <a:rPr lang="en-GB" sz="2400" strike="noStrike" dirty="0">
                 <a:solidFill>
                   <a:srgbClr val="000000"/>
                 </a:solidFill>
@@ -9993,16 +10068,16 @@
               </a:rPr>
               <a:t>));</a:t>
             </a:r>
-            <a:endParaRPr sz="2000" dirty="0"/>
-          </a:p>
-          <a:p>
-            <a:pPr>
-              <a:lnSpc>
-                <a:spcPct val="90000"/>
-              </a:lnSpc>
-            </a:pPr>
-            <a:r>
-              <a:rPr lang="en-GB" sz="2000" strike="noStrike" dirty="0">
+            <a:endParaRPr sz="2400" dirty="0"/>
+          </a:p>
+          <a:p>
+            <a:pPr>
+              <a:lnSpc>
+                <a:spcPct val="90000"/>
+              </a:lnSpc>
+            </a:pPr>
+            <a:r>
+              <a:rPr lang="en-GB" sz="2400" strike="noStrike" dirty="0">
                 <a:solidFill>
                   <a:srgbClr val="000000"/>
                 </a:solidFill>
@@ -10011,7 +10086,7 @@
               <a:t>        $this-&gt;</a:t>
             </a:r>
             <a:r>
-              <a:rPr lang="en-GB" sz="2000" strike="noStrike" dirty="0" err="1">
+              <a:rPr lang="en-GB" sz="2400" strike="noStrike" dirty="0" err="1">
                 <a:solidFill>
                   <a:srgbClr val="000000"/>
                 </a:solidFill>
@@ -10020,7 +10095,7 @@
               <a:t>assertInstanceOf</a:t>
             </a:r>
             <a:r>
-              <a:rPr lang="en-GB" sz="2000" strike="noStrike" dirty="0">
+              <a:rPr lang="en-GB" sz="2400" strike="noStrike" dirty="0">
                 <a:solidFill>
                   <a:srgbClr val="000000"/>
                 </a:solidFill>
@@ -10029,7 +10104,7 @@
               <a:t>(</a:t>
             </a:r>
             <a:r>
-              <a:rPr lang="en-GB" sz="2000" strike="noStrike" dirty="0">
+              <a:rPr lang="en-GB" sz="2400" strike="noStrike" dirty="0">
                 <a:solidFill>
                   <a:srgbClr val="0070C0"/>
                 </a:solidFill>
@@ -10038,7 +10113,7 @@
               <a:t>'Logger'</a:t>
             </a:r>
             <a:r>
-              <a:rPr lang="en-GB" sz="2000" strike="noStrike" dirty="0">
+              <a:rPr lang="en-GB" sz="2400" strike="noStrike" dirty="0">
                 <a:solidFill>
                   <a:srgbClr val="000000"/>
                 </a:solidFill>
@@ -10047,7 +10122,7 @@
               <a:t>, $fixture-&gt;</a:t>
             </a:r>
             <a:r>
-              <a:rPr lang="en-GB" sz="2000" strike="noStrike" dirty="0" err="1">
+              <a:rPr lang="en-GB" sz="2400" strike="noStrike" dirty="0" err="1">
                 <a:solidFill>
                   <a:srgbClr val="000000"/>
                 </a:solidFill>
@@ -10056,7 +10131,7 @@
               <a:t>getLog</a:t>
             </a:r>
             <a:r>
-              <a:rPr lang="en-GB" sz="2000" strike="noStrike" dirty="0">
+              <a:rPr lang="en-GB" sz="2400" strike="noStrike" dirty="0">
                 <a:solidFill>
                   <a:srgbClr val="000000"/>
                 </a:solidFill>
@@ -10064,16 +10139,16 @@
               </a:rPr>
               <a:t>());</a:t>
             </a:r>
-            <a:endParaRPr sz="2000" dirty="0"/>
-          </a:p>
-          <a:p>
-            <a:pPr>
-              <a:lnSpc>
-                <a:spcPct val="90000"/>
-              </a:lnSpc>
-            </a:pPr>
-            <a:r>
-              <a:rPr lang="en-GB" sz="2000" strike="noStrike" dirty="0">
+            <a:endParaRPr sz="2400" dirty="0"/>
+          </a:p>
+          <a:p>
+            <a:pPr>
+              <a:lnSpc>
+                <a:spcPct val="90000"/>
+              </a:lnSpc>
+            </a:pPr>
+            <a:r>
+              <a:rPr lang="en-GB" sz="2400" strike="noStrike" dirty="0">
                 <a:solidFill>
                   <a:srgbClr val="000000"/>
                 </a:solidFill>
@@ -10081,15 +10156,15 @@
               </a:rPr>
               <a:t>    }</a:t>
             </a:r>
-            <a:endParaRPr sz="2000" dirty="0"/>
-          </a:p>
-          <a:p>
-            <a:pPr>
-              <a:lnSpc>
-                <a:spcPct val="90000"/>
-              </a:lnSpc>
-            </a:pPr>
-            <a:endParaRPr lang="en-GB" sz="2000" strike="noStrike" dirty="0" smtClean="0">
+            <a:endParaRPr sz="2400" dirty="0"/>
+          </a:p>
+          <a:p>
+            <a:pPr>
+              <a:lnSpc>
+                <a:spcPct val="90000"/>
+              </a:lnSpc>
+            </a:pPr>
+            <a:endParaRPr lang="en-GB" sz="2400" strike="noStrike" dirty="0" smtClean="0">
               <a:solidFill>
                 <a:srgbClr val="000000"/>
               </a:solidFill>
@@ -10103,7 +10178,7 @@
               </a:lnSpc>
             </a:pPr>
             <a:r>
-              <a:rPr lang="en-GB" sz="2000" strike="noStrike" dirty="0" smtClean="0">
+              <a:rPr lang="en-GB" sz="2400" strike="noStrike" dirty="0" smtClean="0">
                 <a:solidFill>
                   <a:srgbClr val="000000"/>
                 </a:solidFill>
@@ -10112,7 +10187,7 @@
               <a:t>    </a:t>
             </a:r>
             <a:r>
-              <a:rPr lang="en-GB" sz="2000" strike="noStrike" dirty="0">
+              <a:rPr lang="en-GB" sz="2400" strike="noStrike" dirty="0">
                 <a:solidFill>
                   <a:srgbClr val="00B050"/>
                 </a:solidFill>
@@ -10121,7 +10196,7 @@
               <a:t>public</a:t>
             </a:r>
             <a:r>
-              <a:rPr lang="en-GB" sz="2000" strike="noStrike" dirty="0">
+              <a:rPr lang="en-GB" sz="2400" strike="noStrike" dirty="0">
                 <a:solidFill>
                   <a:srgbClr val="000000"/>
                 </a:solidFill>
@@ -10130,7 +10205,7 @@
               <a:t> </a:t>
             </a:r>
             <a:r>
-              <a:rPr lang="en-GB" sz="2000" strike="noStrike" dirty="0">
+              <a:rPr lang="en-GB" sz="2400" strike="noStrike" dirty="0">
                 <a:solidFill>
                   <a:srgbClr val="7030A0"/>
                 </a:solidFill>
@@ -10139,7 +10214,7 @@
               <a:t>function</a:t>
             </a:r>
             <a:r>
-              <a:rPr lang="en-GB" sz="2000" strike="noStrike" dirty="0">
+              <a:rPr lang="en-GB" sz="2400" strike="noStrike" dirty="0">
                 <a:solidFill>
                   <a:srgbClr val="000000"/>
                 </a:solidFill>
@@ -10148,7 +10223,7 @@
               <a:t> </a:t>
             </a:r>
             <a:r>
-              <a:rPr lang="en-GB" sz="2000" strike="noStrike" dirty="0" err="1">
+              <a:rPr lang="en-GB" sz="2400" strike="noStrike" dirty="0" err="1">
                 <a:solidFill>
                   <a:srgbClr val="000000"/>
                 </a:solidFill>
@@ -10157,7 +10232,7 @@
               <a:t>testDemonstrateProphecyDummy</a:t>
             </a:r>
             <a:r>
-              <a:rPr lang="en-GB" sz="2000" strike="noStrike" dirty="0">
+              <a:rPr lang="en-GB" sz="2400" strike="noStrike" dirty="0">
                 <a:solidFill>
                   <a:srgbClr val="000000"/>
                 </a:solidFill>
@@ -10165,16 +10240,16 @@
               </a:rPr>
               <a:t>() {</a:t>
             </a:r>
-            <a:endParaRPr sz="2000" dirty="0"/>
-          </a:p>
-          <a:p>
-            <a:pPr>
-              <a:lnSpc>
-                <a:spcPct val="90000"/>
-              </a:lnSpc>
-            </a:pPr>
-            <a:r>
-              <a:rPr lang="en-GB" sz="2000" strike="noStrike" dirty="0">
+            <a:endParaRPr sz="2400" dirty="0"/>
+          </a:p>
+          <a:p>
+            <a:pPr>
+              <a:lnSpc>
+                <a:spcPct val="90000"/>
+              </a:lnSpc>
+            </a:pPr>
+            <a:r>
+              <a:rPr lang="en-GB" sz="2400" strike="noStrike" dirty="0">
                 <a:solidFill>
                   <a:srgbClr val="000000"/>
                 </a:solidFill>
@@ -10183,7 +10258,7 @@
               <a:t>        $fixture = </a:t>
             </a:r>
             <a:r>
-              <a:rPr lang="en-GB" sz="2000" strike="noStrike" dirty="0">
+              <a:rPr lang="en-GB" sz="2400" strike="noStrike" dirty="0">
                 <a:solidFill>
                   <a:srgbClr val="7030A0"/>
                 </a:solidFill>
@@ -10192,7 +10267,7 @@
               <a:t>new</a:t>
             </a:r>
             <a:r>
-              <a:rPr lang="en-GB" sz="2000" strike="noStrike" dirty="0">
+              <a:rPr lang="en-GB" sz="2400" strike="noStrike" dirty="0">
                 <a:solidFill>
                   <a:srgbClr val="000000"/>
                 </a:solidFill>
@@ -10201,7 +10276,7 @@
               <a:t> Extractor($this-&gt;prophesize(</a:t>
             </a:r>
             <a:r>
-              <a:rPr lang="en-GB" sz="2000" strike="noStrike" dirty="0">
+              <a:rPr lang="en-GB" sz="2400" strike="noStrike" dirty="0">
                 <a:solidFill>
                   <a:srgbClr val="0070C0"/>
                 </a:solidFill>
@@ -10210,7 +10285,7 @@
               <a:t>'Logger'</a:t>
             </a:r>
             <a:r>
-              <a:rPr lang="en-GB" sz="2000" strike="noStrike" dirty="0">
+              <a:rPr lang="en-GB" sz="2400" strike="noStrike" dirty="0">
                 <a:solidFill>
                   <a:srgbClr val="000000"/>
                 </a:solidFill>
@@ -10218,16 +10293,16 @@
               </a:rPr>
               <a:t>)-&gt;reveal());</a:t>
             </a:r>
-            <a:endParaRPr sz="2000" dirty="0"/>
-          </a:p>
-          <a:p>
-            <a:pPr>
-              <a:lnSpc>
-                <a:spcPct val="90000"/>
-              </a:lnSpc>
-            </a:pPr>
-            <a:r>
-              <a:rPr lang="en-GB" sz="2000" strike="noStrike" dirty="0">
+            <a:endParaRPr sz="2400" dirty="0"/>
+          </a:p>
+          <a:p>
+            <a:pPr>
+              <a:lnSpc>
+                <a:spcPct val="90000"/>
+              </a:lnSpc>
+            </a:pPr>
+            <a:r>
+              <a:rPr lang="en-GB" sz="2400" strike="noStrike" dirty="0">
                 <a:solidFill>
                   <a:srgbClr val="000000"/>
                 </a:solidFill>
@@ -10236,7 +10311,7 @@
               <a:t>        $this-&gt;</a:t>
             </a:r>
             <a:r>
-              <a:rPr lang="en-GB" sz="2000" strike="noStrike" dirty="0" err="1">
+              <a:rPr lang="en-GB" sz="2400" strike="noStrike" dirty="0" err="1">
                 <a:solidFill>
                   <a:srgbClr val="000000"/>
                 </a:solidFill>
@@ -10245,7 +10320,7 @@
               <a:t>assertInstanceOf</a:t>
             </a:r>
             <a:r>
-              <a:rPr lang="en-GB" sz="2000" strike="noStrike" dirty="0">
+              <a:rPr lang="en-GB" sz="2400" strike="noStrike" dirty="0">
                 <a:solidFill>
                   <a:srgbClr val="000000"/>
                 </a:solidFill>
@@ -10254,7 +10329,7 @@
               <a:t>(</a:t>
             </a:r>
             <a:r>
-              <a:rPr lang="en-GB" sz="2000" strike="noStrike" dirty="0">
+              <a:rPr lang="en-GB" sz="2400" strike="noStrike" dirty="0">
                 <a:solidFill>
                   <a:srgbClr val="0070C0"/>
                 </a:solidFill>
@@ -10263,7 +10338,7 @@
               <a:t>'Logger'</a:t>
             </a:r>
             <a:r>
-              <a:rPr lang="en-GB" sz="2000" strike="noStrike" dirty="0">
+              <a:rPr lang="en-GB" sz="2400" strike="noStrike" dirty="0">
                 <a:solidFill>
                   <a:srgbClr val="000000"/>
                 </a:solidFill>
@@ -10272,7 +10347,7 @@
               <a:t>, $fixture-&gt;</a:t>
             </a:r>
             <a:r>
-              <a:rPr lang="en-GB" sz="2000" strike="noStrike" dirty="0" err="1">
+              <a:rPr lang="en-GB" sz="2400" strike="noStrike" dirty="0" err="1">
                 <a:solidFill>
                   <a:srgbClr val="000000"/>
                 </a:solidFill>
@@ -10281,7 +10356,7 @@
               <a:t>getLog</a:t>
             </a:r>
             <a:r>
-              <a:rPr lang="en-GB" sz="2000" strike="noStrike" dirty="0">
+              <a:rPr lang="en-GB" sz="2400" strike="noStrike" dirty="0">
                 <a:solidFill>
                   <a:srgbClr val="000000"/>
                 </a:solidFill>
@@ -10289,16 +10364,16 @@
               </a:rPr>
               <a:t>());</a:t>
             </a:r>
-            <a:endParaRPr sz="2000" dirty="0"/>
-          </a:p>
-          <a:p>
-            <a:pPr>
-              <a:lnSpc>
-                <a:spcPct val="90000"/>
-              </a:lnSpc>
-            </a:pPr>
-            <a:r>
-              <a:rPr lang="en-GB" sz="2000" strike="noStrike" dirty="0">
+            <a:endParaRPr sz="2400" dirty="0"/>
+          </a:p>
+          <a:p>
+            <a:pPr>
+              <a:lnSpc>
+                <a:spcPct val="90000"/>
+              </a:lnSpc>
+            </a:pPr>
+            <a:r>
+              <a:rPr lang="en-GB" sz="2400" strike="noStrike" dirty="0">
                 <a:solidFill>
                   <a:srgbClr val="000000"/>
                 </a:solidFill>
@@ -10306,16 +10381,16 @@
               </a:rPr>
               <a:t>    }</a:t>
             </a:r>
-            <a:endParaRPr sz="2000" dirty="0"/>
-          </a:p>
-          <a:p>
-            <a:pPr>
-              <a:lnSpc>
-                <a:spcPct val="90000"/>
-              </a:lnSpc>
-            </a:pPr>
-            <a:r>
-              <a:rPr lang="en-GB" sz="2000" strike="noStrike" dirty="0">
+            <a:endParaRPr sz="2400" dirty="0"/>
+          </a:p>
+          <a:p>
+            <a:pPr>
+              <a:lnSpc>
+                <a:spcPct val="90000"/>
+              </a:lnSpc>
+            </a:pPr>
+            <a:r>
+              <a:rPr lang="en-GB" sz="2400" strike="noStrike" dirty="0">
                 <a:solidFill>
                   <a:srgbClr val="000000"/>
                 </a:solidFill>
@@ -10323,7 +10398,7 @@
               </a:rPr>
               <a:t>}</a:t>
             </a:r>
-            <a:endParaRPr sz="2000" dirty="0"/>
+            <a:endParaRPr sz="2400" dirty="0"/>
           </a:p>
         </p:txBody>
       </p:sp>
@@ -10946,20 +11021,18 @@
               <a:t> </a:t>
             </a:r>
             <a:r>
-              <a:rPr lang="en-GB" sz="2400" strike="noStrike" dirty="0">
+              <a:rPr lang="en-GB" sz="2400" dirty="0">
                 <a:solidFill>
                   <a:srgbClr val="0070C0"/>
                 </a:solidFill>
-                <a:latin typeface="Calibri"/>
-              </a:rPr>
-              <a:t>‘</a:t>
-            </a:r>
-            <a:r>
-              <a:rPr lang="en-GB" sz="2400" strike="noStrike" dirty="0" err="1">
+              </a:rPr>
+              <a:t>'</a:t>
+            </a:r>
+            <a:r>
+              <a:rPr lang="en-GB" sz="2400" dirty="0" err="1">
                 <a:solidFill>
                   <a:srgbClr val="0070C0"/>
                 </a:solidFill>
-                <a:latin typeface="Calibri"/>
               </a:rPr>
               <a:t>Logger.php</a:t>
             </a:r>
@@ -38843,7 +38916,7 @@
   <a:extraClrSchemeLst/>
   <a:extLst>
     <a:ext uri="{05A4C25C-085E-4340-85A3-A5531E510DB2}">
-      <thm15:themeFamily xmlns:thm15="http://schemas.microsoft.com/office/thememl/2012/main" xmlns="" name="Office Theme" id="{62F939B6-93AF-4DB8-9C6B-D6C7DFDC589F}" vid="{4A3C46E8-61CC-4603-A589-7422A47A8E4A}"/>
+      <thm15:themeFamily xmlns="" xmlns:thm15="http://schemas.microsoft.com/office/thememl/2012/main" name="Office Theme" id="{62F939B6-93AF-4DB8-9C6B-D6C7DFDC589F}" vid="{4A3C46E8-61CC-4603-A589-7422A47A8E4A}"/>
     </a:ext>
   </a:extLst>
 </a:theme>
@@ -39104,7 +39177,7 @@
   <a:extraClrSchemeLst/>
   <a:extLst>
     <a:ext uri="{05A4C25C-085E-4340-85A3-A5531E510DB2}">
-      <thm15:themeFamily xmlns:thm15="http://schemas.microsoft.com/office/thememl/2012/main" xmlns="" name="Office Theme" id="{62F939B6-93AF-4DB8-9C6B-D6C7DFDC589F}" vid="{4A3C46E8-61CC-4603-A589-7422A47A8E4A}"/>
+      <thm15:themeFamily xmlns="" xmlns:thm15="http://schemas.microsoft.com/office/thememl/2012/main" name="Office Theme" id="{62F939B6-93AF-4DB8-9C6B-D6C7DFDC589F}" vid="{4A3C46E8-61CC-4603-A589-7422A47A8E4A}"/>
     </a:ext>
   </a:extLst>
 </a:theme>

--- a/Creating Unit Test Mocks - PHPUnit or Prophecy.pptx
+++ b/Creating Unit Test Mocks - PHPUnit or Prophecy.pptx
@@ -5,7 +5,7 @@
     <p:sldMasterId id="2147483648" r:id="rId1"/>
   </p:sldMasterIdLst>
   <p:notesMasterIdLst>
-    <p:notesMasterId r:id="rId57"/>
+    <p:notesMasterId r:id="rId58"/>
   </p:notesMasterIdLst>
   <p:sldIdLst>
     <p:sldId id="256" r:id="rId2"/>
@@ -62,7 +62,8 @@
     <p:sldId id="362" r:id="rId53"/>
     <p:sldId id="363" r:id="rId54"/>
     <p:sldId id="366" r:id="rId55"/>
-    <p:sldId id="367" r:id="rId56"/>
+    <p:sldId id="368" r:id="rId56"/>
+    <p:sldId id="367" r:id="rId57"/>
   </p:sldIdLst>
   <p:sldSz cx="12192000" cy="6858000"/>
   <p:notesSz cx="6858000" cy="9144000"/>
@@ -163,7 +164,7 @@
   </p:defaultTextStyle>
   <p:extLst>
     <p:ext uri="{EFAFB233-063F-42B5-8137-9DF3F51BA10A}">
-      <p15:sldGuideLst xmlns="" xmlns:p15="http://schemas.microsoft.com/office/powerpoint/2012/main"/>
+      <p15:sldGuideLst xmlns:p15="http://schemas.microsoft.com/office/powerpoint/2012/main" xmlns=""/>
     </p:ext>
   </p:extLst>
 </p:presentation>
@@ -251,7 +252,7 @@
           <a:p>
             <a:fld id="{D966DC10-02BF-4E2C-B055-43BDCCFEDB5A}" type="datetimeFigureOut">
               <a:rPr lang="en-GB" smtClean="0"/>
-              <a:t>09/05/2016</a:t>
+              <a:t>10/05/2016</a:t>
             </a:fld>
             <a:endParaRPr lang="en-GB"/>
           </a:p>
@@ -3539,6 +3540,104 @@
 </p:notes>
 </file>
 
+<file path=ppt/notesSlides/notesSlide32.xml><?xml version="1.0" encoding="utf-8"?>
+<p:notes xmlns:a="http://schemas.openxmlformats.org/drawingml/2006/main" xmlns:r="http://schemas.openxmlformats.org/officeDocument/2006/relationships" xmlns:p="http://schemas.openxmlformats.org/presentationml/2006/main">
+  <p:cSld>
+    <p:spTree>
+      <p:nvGrpSpPr>
+        <p:cNvPr id="1" name=""/>
+        <p:cNvGrpSpPr/>
+        <p:nvPr/>
+      </p:nvGrpSpPr>
+      <p:grpSpPr>
+        <a:xfrm>
+          <a:off x="0" y="0"/>
+          <a:ext cx="0" cy="0"/>
+          <a:chOff x="0" y="0"/>
+          <a:chExt cx="0" cy="0"/>
+        </a:xfrm>
+      </p:grpSpPr>
+      <p:sp>
+        <p:nvSpPr>
+          <p:cNvPr id="665" name="PlaceHolder 1"/>
+          <p:cNvSpPr>
+            <a:spLocks noGrp="1"/>
+          </p:cNvSpPr>
+          <p:nvPr>
+            <p:ph type="body"/>
+          </p:nvPr>
+        </p:nvSpPr>
+        <p:spPr>
+          <a:xfrm>
+            <a:off x="685800" y="4400640"/>
+            <a:ext cx="5486400" cy="3600360"/>
+          </a:xfrm>
+          <a:prstGeom prst="rect">
+            <a:avLst/>
+          </a:prstGeom>
+        </p:spPr>
+        <p:txBody>
+          <a:bodyPr/>
+          <a:lstStyle/>
+          <a:p>
+            <a:endParaRPr/>
+          </a:p>
+        </p:txBody>
+      </p:sp>
+      <p:sp>
+        <p:nvSpPr>
+          <p:cNvPr id="666" name="TextShape 2"/>
+          <p:cNvSpPr txBox="1"/>
+          <p:nvPr/>
+        </p:nvSpPr>
+        <p:spPr>
+          <a:xfrm>
+            <a:off x="3884760" y="8685360"/>
+            <a:ext cx="2971800" cy="458640"/>
+          </a:xfrm>
+          <a:prstGeom prst="rect">
+            <a:avLst/>
+          </a:prstGeom>
+          <a:noFill/>
+          <a:ln>
+            <a:noFill/>
+          </a:ln>
+        </p:spPr>
+        <p:txBody>
+          <a:bodyPr anchor="b"/>
+          <a:lstStyle/>
+          <a:p>
+            <a:pPr algn="r">
+              <a:lnSpc>
+                <a:spcPct val="100000"/>
+              </a:lnSpc>
+            </a:pPr>
+            <a:fld id="{7CBC3573-7ECA-41E7-8775-1CF0E9125B96}" type="slidenum">
+              <a:rPr lang="en-GB" sz="1200" strike="noStrike">
+                <a:solidFill>
+                  <a:srgbClr val="000000"/>
+                </a:solidFill>
+                <a:latin typeface="Calibri"/>
+              </a:rPr>
+              <a:t>55</a:t>
+            </a:fld>
+            <a:endParaRPr/>
+          </a:p>
+        </p:txBody>
+      </p:sp>
+    </p:spTree>
+    <p:extLst>
+      <p:ext uri="{BB962C8B-B14F-4D97-AF65-F5344CB8AC3E}">
+        <p14:creationId xmlns:p14="http://schemas.microsoft.com/office/powerpoint/2010/main" val="2187953656"/>
+      </p:ext>
+    </p:extLst>
+  </p:cSld>
+  <p:clrMapOvr>
+    <a:masterClrMapping/>
+  </p:clrMapOvr>
+</p:notes>
+</file>
+
 <file path=ppt/notesSlides/notesSlide4.xml><?xml version="1.0" encoding="utf-8"?>
 <p:notes xmlns:a="http://schemas.openxmlformats.org/drawingml/2006/main" xmlns:r="http://schemas.openxmlformats.org/officeDocument/2006/relationships" xmlns:p="http://schemas.openxmlformats.org/presentationml/2006/main">
   <p:cSld>
@@ -4467,7 +4566,7 @@
           <a:p>
             <a:fld id="{A9459E37-F750-4EBC-9800-7BD040FD0A4A}" type="datetimeFigureOut">
               <a:rPr lang="en-GB" smtClean="0"/>
-              <a:t>09/05/2016</a:t>
+              <a:t>10/05/2016</a:t>
             </a:fld>
             <a:endParaRPr lang="en-GB"/>
           </a:p>
@@ -4637,7 +4736,7 @@
           <a:p>
             <a:fld id="{A9459E37-F750-4EBC-9800-7BD040FD0A4A}" type="datetimeFigureOut">
               <a:rPr lang="en-GB" smtClean="0"/>
-              <a:t>09/05/2016</a:t>
+              <a:t>10/05/2016</a:t>
             </a:fld>
             <a:endParaRPr lang="en-GB"/>
           </a:p>
@@ -4817,7 +4916,7 @@
           <a:p>
             <a:fld id="{A9459E37-F750-4EBC-9800-7BD040FD0A4A}" type="datetimeFigureOut">
               <a:rPr lang="en-GB" smtClean="0"/>
-              <a:t>09/05/2016</a:t>
+              <a:t>10/05/2016</a:t>
             </a:fld>
             <a:endParaRPr lang="en-GB"/>
           </a:p>
@@ -5153,7 +5252,7 @@
           <a:p>
             <a:fld id="{A9459E37-F750-4EBC-9800-7BD040FD0A4A}" type="datetimeFigureOut">
               <a:rPr lang="en-GB" smtClean="0"/>
-              <a:t>09/05/2016</a:t>
+              <a:t>10/05/2016</a:t>
             </a:fld>
             <a:endParaRPr lang="en-GB"/>
           </a:p>
@@ -5399,7 +5498,7 @@
           <a:p>
             <a:fld id="{A9459E37-F750-4EBC-9800-7BD040FD0A4A}" type="datetimeFigureOut">
               <a:rPr lang="en-GB" smtClean="0"/>
-              <a:t>09/05/2016</a:t>
+              <a:t>10/05/2016</a:t>
             </a:fld>
             <a:endParaRPr lang="en-GB"/>
           </a:p>
@@ -5631,7 +5730,7 @@
           <a:p>
             <a:fld id="{A9459E37-F750-4EBC-9800-7BD040FD0A4A}" type="datetimeFigureOut">
               <a:rPr lang="en-GB" smtClean="0"/>
-              <a:t>09/05/2016</a:t>
+              <a:t>10/05/2016</a:t>
             </a:fld>
             <a:endParaRPr lang="en-GB"/>
           </a:p>
@@ -5998,7 +6097,7 @@
           <a:p>
             <a:fld id="{A9459E37-F750-4EBC-9800-7BD040FD0A4A}" type="datetimeFigureOut">
               <a:rPr lang="en-GB" smtClean="0"/>
-              <a:t>09/05/2016</a:t>
+              <a:t>10/05/2016</a:t>
             </a:fld>
             <a:endParaRPr lang="en-GB"/>
           </a:p>
@@ -6116,7 +6215,7 @@
           <a:p>
             <a:fld id="{A9459E37-F750-4EBC-9800-7BD040FD0A4A}" type="datetimeFigureOut">
               <a:rPr lang="en-GB" smtClean="0"/>
-              <a:t>09/05/2016</a:t>
+              <a:t>10/05/2016</a:t>
             </a:fld>
             <a:endParaRPr lang="en-GB"/>
           </a:p>
@@ -6211,7 +6310,7 @@
           <a:p>
             <a:fld id="{A9459E37-F750-4EBC-9800-7BD040FD0A4A}" type="datetimeFigureOut">
               <a:rPr lang="en-GB" smtClean="0"/>
-              <a:t>09/05/2016</a:t>
+              <a:t>10/05/2016</a:t>
             </a:fld>
             <a:endParaRPr lang="en-GB"/>
           </a:p>
@@ -6488,7 +6587,7 @@
           <a:p>
             <a:fld id="{A9459E37-F750-4EBC-9800-7BD040FD0A4A}" type="datetimeFigureOut">
               <a:rPr lang="en-GB" smtClean="0"/>
-              <a:t>09/05/2016</a:t>
+              <a:t>10/05/2016</a:t>
             </a:fld>
             <a:endParaRPr lang="en-GB"/>
           </a:p>
@@ -6741,7 +6840,7 @@
           <a:p>
             <a:fld id="{A9459E37-F750-4EBC-9800-7BD040FD0A4A}" type="datetimeFigureOut">
               <a:rPr lang="en-GB" smtClean="0"/>
-              <a:t>09/05/2016</a:t>
+              <a:t>10/05/2016</a:t>
             </a:fld>
             <a:endParaRPr lang="en-GB"/>
           </a:p>
@@ -6954,7 +7053,7 @@
           <a:p>
             <a:fld id="{A9459E37-F750-4EBC-9800-7BD040FD0A4A}" type="datetimeFigureOut">
               <a:rPr lang="en-GB" smtClean="0"/>
-              <a:t>09/05/2016</a:t>
+              <a:t>10/05/2016</a:t>
             </a:fld>
             <a:endParaRPr lang="en-GB"/>
           </a:p>
@@ -7825,13 +7924,13 @@
           <a:p>
             <a:pPr>
               <a:lnSpc>
-                <a:spcPct val="90000"/>
+                <a:spcPct val="150000"/>
               </a:lnSpc>
               <a:buFont typeface="Arial"/>
               <a:buChar char="•"/>
             </a:pPr>
             <a:r>
-              <a:rPr lang="en-GB" sz="2800" strike="noStrike">
+              <a:rPr lang="en-GB" sz="2800" strike="noStrike" dirty="0">
                 <a:solidFill>
                   <a:srgbClr val="000000"/>
                 </a:solidFill>
@@ -7839,18 +7938,18 @@
               </a:rPr>
               <a:t>Why use unit testing?</a:t>
             </a:r>
-            <a:endParaRPr/>
-          </a:p>
-          <a:p>
-            <a:pPr>
-              <a:lnSpc>
-                <a:spcPct val="90000"/>
+            <a:endParaRPr dirty="0"/>
+          </a:p>
+          <a:p>
+            <a:pPr>
+              <a:lnSpc>
+                <a:spcPct val="150000"/>
               </a:lnSpc>
               <a:buFont typeface="Arial"/>
               <a:buChar char="•"/>
             </a:pPr>
             <a:r>
-              <a:rPr lang="en-GB" sz="2800" strike="noStrike">
+              <a:rPr lang="en-GB" sz="2800" strike="noStrike" dirty="0">
                 <a:solidFill>
                   <a:srgbClr val="000000"/>
                 </a:solidFill>
@@ -7858,18 +7957,18 @@
               </a:rPr>
               <a:t>Why use mock objects?</a:t>
             </a:r>
-            <a:endParaRPr/>
-          </a:p>
-          <a:p>
-            <a:pPr>
-              <a:lnSpc>
-                <a:spcPct val="90000"/>
+            <a:endParaRPr dirty="0"/>
+          </a:p>
+          <a:p>
+            <a:pPr>
+              <a:lnSpc>
+                <a:spcPct val="150000"/>
               </a:lnSpc>
               <a:buFont typeface="Arial"/>
               <a:buChar char="•"/>
             </a:pPr>
             <a:r>
-              <a:rPr lang="en-GB" sz="2800" b="1" strike="noStrike">
+              <a:rPr lang="en-GB" sz="2800" b="1" strike="noStrike" dirty="0">
                 <a:solidFill>
                   <a:srgbClr val="000000"/>
                 </a:solidFill>
@@ -7877,18 +7976,18 @@
               </a:rPr>
               <a:t>How to use mock objects?</a:t>
             </a:r>
-            <a:endParaRPr/>
-          </a:p>
-          <a:p>
-            <a:pPr>
-              <a:lnSpc>
-                <a:spcPct val="90000"/>
+            <a:endParaRPr dirty="0"/>
+          </a:p>
+          <a:p>
+            <a:pPr>
+              <a:lnSpc>
+                <a:spcPct val="150000"/>
               </a:lnSpc>
               <a:buFont typeface="Arial"/>
               <a:buChar char="•"/>
             </a:pPr>
             <a:r>
-              <a:rPr lang="en-GB" sz="2800" strike="noStrike">
+              <a:rPr lang="en-GB" sz="2800" strike="noStrike" dirty="0">
                 <a:solidFill>
                   <a:srgbClr val="000000"/>
                 </a:solidFill>
@@ -7896,18 +7995,18 @@
               </a:rPr>
               <a:t>When not to use mock objects?</a:t>
             </a:r>
-            <a:endParaRPr/>
-          </a:p>
-          <a:p>
-            <a:pPr>
-              <a:lnSpc>
-                <a:spcPct val="90000"/>
+            <a:endParaRPr dirty="0"/>
+          </a:p>
+          <a:p>
+            <a:pPr>
+              <a:lnSpc>
+                <a:spcPct val="150000"/>
               </a:lnSpc>
               <a:buFont typeface="Arial"/>
               <a:buChar char="•"/>
             </a:pPr>
             <a:r>
-              <a:rPr lang="en-GB" sz="2800" strike="noStrike">
+              <a:rPr lang="en-GB" sz="2800" strike="noStrike" dirty="0">
                 <a:solidFill>
                   <a:srgbClr val="000000"/>
                 </a:solidFill>
@@ -7915,26 +8014,35 @@
               </a:rPr>
               <a:t>Types of mock object?</a:t>
             </a:r>
-            <a:endParaRPr/>
-          </a:p>
-          <a:p>
-            <a:pPr>
-              <a:lnSpc>
-                <a:spcPct val="90000"/>
+            <a:endParaRPr dirty="0"/>
+          </a:p>
+          <a:p>
+            <a:pPr>
+              <a:lnSpc>
+                <a:spcPct val="150000"/>
               </a:lnSpc>
               <a:buFont typeface="Arial"/>
               <a:buChar char="•"/>
             </a:pPr>
             <a:r>
-              <a:rPr lang="en-GB" sz="2800" strike="noStrike">
-                <a:solidFill>
-                  <a:srgbClr val="000000"/>
-                </a:solidFill>
-                <a:latin typeface="Calibri"/>
-              </a:rPr>
-              <a:t>PHPUnit or Prophecy?</a:t>
-            </a:r>
-            <a:endParaRPr/>
+              <a:rPr lang="en-GB" sz="2800" strike="noStrike" dirty="0" err="1">
+                <a:solidFill>
+                  <a:srgbClr val="000000"/>
+                </a:solidFill>
+                <a:latin typeface="Calibri"/>
+              </a:rPr>
+              <a:t>PHPUnit</a:t>
+            </a:r>
+            <a:r>
+              <a:rPr lang="en-GB" sz="2800" strike="noStrike" dirty="0">
+                <a:solidFill>
+                  <a:srgbClr val="000000"/>
+                </a:solidFill>
+                <a:latin typeface="Calibri"/>
+              </a:rPr>
+              <a:t> or Prophecy?</a:t>
+            </a:r>
+            <a:endParaRPr dirty="0"/>
           </a:p>
         </p:txBody>
       </p:sp>
@@ -8041,13 +8149,13 @@
           <a:p>
             <a:pPr>
               <a:lnSpc>
-                <a:spcPct val="90000"/>
+                <a:spcPct val="150000"/>
               </a:lnSpc>
               <a:buFont typeface="Arial"/>
               <a:buChar char="•"/>
             </a:pPr>
             <a:r>
-              <a:rPr lang="en-GB" sz="2800" strike="noStrike">
+              <a:rPr lang="en-GB" sz="2800" strike="noStrike" dirty="0">
                 <a:solidFill>
                   <a:srgbClr val="000000"/>
                 </a:solidFill>
@@ -8055,18 +8163,18 @@
               </a:rPr>
               <a:t>Why use unit testing?</a:t>
             </a:r>
-            <a:endParaRPr/>
-          </a:p>
-          <a:p>
-            <a:pPr>
-              <a:lnSpc>
-                <a:spcPct val="90000"/>
+            <a:endParaRPr dirty="0"/>
+          </a:p>
+          <a:p>
+            <a:pPr>
+              <a:lnSpc>
+                <a:spcPct val="150000"/>
               </a:lnSpc>
               <a:buFont typeface="Arial"/>
               <a:buChar char="•"/>
             </a:pPr>
             <a:r>
-              <a:rPr lang="en-GB" sz="2800" strike="noStrike">
+              <a:rPr lang="en-GB" sz="2800" strike="noStrike" dirty="0">
                 <a:solidFill>
                   <a:srgbClr val="000000"/>
                 </a:solidFill>
@@ -8074,18 +8182,18 @@
               </a:rPr>
               <a:t>Why use mock objects?</a:t>
             </a:r>
-            <a:endParaRPr/>
-          </a:p>
-          <a:p>
-            <a:pPr>
-              <a:lnSpc>
-                <a:spcPct val="90000"/>
+            <a:endParaRPr dirty="0"/>
+          </a:p>
+          <a:p>
+            <a:pPr>
+              <a:lnSpc>
+                <a:spcPct val="150000"/>
               </a:lnSpc>
               <a:buFont typeface="Arial"/>
               <a:buChar char="•"/>
             </a:pPr>
             <a:r>
-              <a:rPr lang="en-GB" sz="2800" strike="noStrike">
+              <a:rPr lang="en-GB" sz="2800" strike="noStrike" dirty="0">
                 <a:solidFill>
                   <a:srgbClr val="000000"/>
                 </a:solidFill>
@@ -8093,18 +8201,18 @@
               </a:rPr>
               <a:t>How to use mock objects?</a:t>
             </a:r>
-            <a:endParaRPr/>
-          </a:p>
-          <a:p>
-            <a:pPr>
-              <a:lnSpc>
-                <a:spcPct val="90000"/>
+            <a:endParaRPr dirty="0"/>
+          </a:p>
+          <a:p>
+            <a:pPr>
+              <a:lnSpc>
+                <a:spcPct val="150000"/>
               </a:lnSpc>
               <a:buFont typeface="Arial"/>
               <a:buChar char="•"/>
             </a:pPr>
             <a:r>
-              <a:rPr lang="en-GB" sz="2800" b="1" strike="noStrike">
+              <a:rPr lang="en-GB" sz="2800" b="1" strike="noStrike" dirty="0">
                 <a:solidFill>
                   <a:srgbClr val="000000"/>
                 </a:solidFill>
@@ -8112,18 +8220,18 @@
               </a:rPr>
               <a:t>When not to use mock objects?</a:t>
             </a:r>
-            <a:endParaRPr/>
-          </a:p>
-          <a:p>
-            <a:pPr>
-              <a:lnSpc>
-                <a:spcPct val="90000"/>
+            <a:endParaRPr dirty="0"/>
+          </a:p>
+          <a:p>
+            <a:pPr>
+              <a:lnSpc>
+                <a:spcPct val="150000"/>
               </a:lnSpc>
               <a:buFont typeface="Arial"/>
               <a:buChar char="•"/>
             </a:pPr>
             <a:r>
-              <a:rPr lang="en-GB" sz="2800" strike="noStrike">
+              <a:rPr lang="en-GB" sz="2800" strike="noStrike" dirty="0">
                 <a:solidFill>
                   <a:srgbClr val="000000"/>
                 </a:solidFill>
@@ -8131,26 +8239,35 @@
               </a:rPr>
               <a:t>Types of mock object?</a:t>
             </a:r>
-            <a:endParaRPr/>
-          </a:p>
-          <a:p>
-            <a:pPr>
-              <a:lnSpc>
-                <a:spcPct val="90000"/>
+            <a:endParaRPr dirty="0"/>
+          </a:p>
+          <a:p>
+            <a:pPr>
+              <a:lnSpc>
+                <a:spcPct val="150000"/>
               </a:lnSpc>
               <a:buFont typeface="Arial"/>
               <a:buChar char="•"/>
             </a:pPr>
             <a:r>
-              <a:rPr lang="en-GB" sz="2800" strike="noStrike">
-                <a:solidFill>
-                  <a:srgbClr val="000000"/>
-                </a:solidFill>
-                <a:latin typeface="Calibri"/>
-              </a:rPr>
-              <a:t>PHPUnit or Prophecy?</a:t>
-            </a:r>
-            <a:endParaRPr/>
+              <a:rPr lang="en-GB" sz="2800" strike="noStrike" dirty="0" err="1">
+                <a:solidFill>
+                  <a:srgbClr val="000000"/>
+                </a:solidFill>
+                <a:latin typeface="Calibri"/>
+              </a:rPr>
+              <a:t>PHPUnit</a:t>
+            </a:r>
+            <a:r>
+              <a:rPr lang="en-GB" sz="2800" strike="noStrike" dirty="0">
+                <a:solidFill>
+                  <a:srgbClr val="000000"/>
+                </a:solidFill>
+                <a:latin typeface="Calibri"/>
+              </a:rPr>
+              <a:t> or Prophecy?</a:t>
+            </a:r>
+            <a:endParaRPr dirty="0"/>
           </a:p>
         </p:txBody>
       </p:sp>
@@ -8257,13 +8374,13 @@
           <a:p>
             <a:pPr>
               <a:lnSpc>
-                <a:spcPct val="90000"/>
+                <a:spcPct val="150000"/>
               </a:lnSpc>
               <a:buFont typeface="Arial"/>
               <a:buChar char="•"/>
             </a:pPr>
             <a:r>
-              <a:rPr lang="en-GB" sz="2800" strike="noStrike">
+              <a:rPr lang="en-GB" sz="2800" strike="noStrike" dirty="0">
                 <a:solidFill>
                   <a:srgbClr val="000000"/>
                 </a:solidFill>
@@ -8271,18 +8388,18 @@
               </a:rPr>
               <a:t>Why use unit testing?</a:t>
             </a:r>
-            <a:endParaRPr/>
-          </a:p>
-          <a:p>
-            <a:pPr>
-              <a:lnSpc>
-                <a:spcPct val="90000"/>
+            <a:endParaRPr dirty="0"/>
+          </a:p>
+          <a:p>
+            <a:pPr>
+              <a:lnSpc>
+                <a:spcPct val="150000"/>
               </a:lnSpc>
               <a:buFont typeface="Arial"/>
               <a:buChar char="•"/>
             </a:pPr>
             <a:r>
-              <a:rPr lang="en-GB" sz="2800" strike="noStrike">
+              <a:rPr lang="en-GB" sz="2800" strike="noStrike" dirty="0">
                 <a:solidFill>
                   <a:srgbClr val="000000"/>
                 </a:solidFill>
@@ -8290,18 +8407,18 @@
               </a:rPr>
               <a:t>Why use test doubles?</a:t>
             </a:r>
-            <a:endParaRPr/>
-          </a:p>
-          <a:p>
-            <a:pPr>
-              <a:lnSpc>
-                <a:spcPct val="90000"/>
+            <a:endParaRPr dirty="0"/>
+          </a:p>
+          <a:p>
+            <a:pPr>
+              <a:lnSpc>
+                <a:spcPct val="150000"/>
               </a:lnSpc>
               <a:buFont typeface="Arial"/>
               <a:buChar char="•"/>
             </a:pPr>
             <a:r>
-              <a:rPr lang="en-GB" sz="2800" strike="noStrike">
+              <a:rPr lang="en-GB" sz="2800" strike="noStrike" dirty="0">
                 <a:solidFill>
                   <a:srgbClr val="000000"/>
                 </a:solidFill>
@@ -8309,18 +8426,18 @@
               </a:rPr>
               <a:t>How to use test doubles?</a:t>
             </a:r>
-            <a:endParaRPr/>
-          </a:p>
-          <a:p>
-            <a:pPr>
-              <a:lnSpc>
-                <a:spcPct val="90000"/>
+            <a:endParaRPr dirty="0"/>
+          </a:p>
+          <a:p>
+            <a:pPr>
+              <a:lnSpc>
+                <a:spcPct val="150000"/>
               </a:lnSpc>
               <a:buFont typeface="Arial"/>
               <a:buChar char="•"/>
             </a:pPr>
             <a:r>
-              <a:rPr lang="en-GB" sz="2800" strike="noStrike">
+              <a:rPr lang="en-GB" sz="2800" strike="noStrike" dirty="0">
                 <a:solidFill>
                   <a:srgbClr val="000000"/>
                 </a:solidFill>
@@ -8328,18 +8445,18 @@
               </a:rPr>
               <a:t>When not to use test doubles?</a:t>
             </a:r>
-            <a:endParaRPr/>
-          </a:p>
-          <a:p>
-            <a:pPr>
-              <a:lnSpc>
-                <a:spcPct val="90000"/>
+            <a:endParaRPr dirty="0"/>
+          </a:p>
+          <a:p>
+            <a:pPr>
+              <a:lnSpc>
+                <a:spcPct val="150000"/>
               </a:lnSpc>
               <a:buFont typeface="Arial"/>
               <a:buChar char="•"/>
             </a:pPr>
             <a:r>
-              <a:rPr lang="en-GB" sz="2800" b="1" strike="noStrike">
+              <a:rPr lang="en-GB" sz="2800" b="1" strike="noStrike" dirty="0">
                 <a:solidFill>
                   <a:srgbClr val="000000"/>
                 </a:solidFill>
@@ -8347,26 +8464,35 @@
               </a:rPr>
               <a:t>Types of test double?</a:t>
             </a:r>
-            <a:endParaRPr/>
-          </a:p>
-          <a:p>
-            <a:pPr>
-              <a:lnSpc>
-                <a:spcPct val="90000"/>
+            <a:endParaRPr dirty="0"/>
+          </a:p>
+          <a:p>
+            <a:pPr>
+              <a:lnSpc>
+                <a:spcPct val="150000"/>
               </a:lnSpc>
               <a:buFont typeface="Arial"/>
               <a:buChar char="•"/>
             </a:pPr>
             <a:r>
-              <a:rPr lang="en-GB" sz="2800" strike="noStrike">
-                <a:solidFill>
-                  <a:srgbClr val="000000"/>
-                </a:solidFill>
-                <a:latin typeface="Calibri"/>
-              </a:rPr>
-              <a:t>PHPUnit or Prophecy?</a:t>
-            </a:r>
-            <a:endParaRPr/>
+              <a:rPr lang="en-GB" sz="2800" strike="noStrike" dirty="0" err="1">
+                <a:solidFill>
+                  <a:srgbClr val="000000"/>
+                </a:solidFill>
+                <a:latin typeface="Calibri"/>
+              </a:rPr>
+              <a:t>PHPUnit</a:t>
+            </a:r>
+            <a:r>
+              <a:rPr lang="en-GB" sz="2800" strike="noStrike" dirty="0">
+                <a:solidFill>
+                  <a:srgbClr val="000000"/>
+                </a:solidFill>
+                <a:latin typeface="Calibri"/>
+              </a:rPr>
+              <a:t> or Prophecy?</a:t>
+            </a:r>
+            <a:endParaRPr dirty="0"/>
           </a:p>
         </p:txBody>
       </p:sp>
@@ -9100,13 +9226,13 @@
           <a:p>
             <a:pPr>
               <a:lnSpc>
-                <a:spcPct val="90000"/>
+                <a:spcPct val="150000"/>
               </a:lnSpc>
               <a:buFont typeface="Arial"/>
               <a:buChar char="•"/>
             </a:pPr>
             <a:r>
-              <a:rPr lang="en-GB" sz="2800" strike="noStrike">
+              <a:rPr lang="en-GB" sz="2800" strike="noStrike" dirty="0">
                 <a:solidFill>
                   <a:srgbClr val="000000"/>
                 </a:solidFill>
@@ -9114,18 +9240,18 @@
               </a:rPr>
               <a:t>Why use unit testing?</a:t>
             </a:r>
-            <a:endParaRPr/>
-          </a:p>
-          <a:p>
-            <a:pPr>
-              <a:lnSpc>
-                <a:spcPct val="90000"/>
+            <a:endParaRPr dirty="0"/>
+          </a:p>
+          <a:p>
+            <a:pPr>
+              <a:lnSpc>
+                <a:spcPct val="150000"/>
               </a:lnSpc>
               <a:buFont typeface="Arial"/>
               <a:buChar char="•"/>
             </a:pPr>
             <a:r>
-              <a:rPr lang="en-GB" sz="2800" strike="noStrike">
+              <a:rPr lang="en-GB" sz="2800" strike="noStrike" dirty="0">
                 <a:solidFill>
                   <a:srgbClr val="000000"/>
                 </a:solidFill>
@@ -9133,18 +9259,18 @@
               </a:rPr>
               <a:t>Why use test doubles?</a:t>
             </a:r>
-            <a:endParaRPr/>
-          </a:p>
-          <a:p>
-            <a:pPr>
-              <a:lnSpc>
-                <a:spcPct val="90000"/>
+            <a:endParaRPr dirty="0"/>
+          </a:p>
+          <a:p>
+            <a:pPr>
+              <a:lnSpc>
+                <a:spcPct val="150000"/>
               </a:lnSpc>
               <a:buFont typeface="Arial"/>
               <a:buChar char="•"/>
             </a:pPr>
             <a:r>
-              <a:rPr lang="en-GB" sz="2800" strike="noStrike">
+              <a:rPr lang="en-GB" sz="2800" strike="noStrike" dirty="0">
                 <a:solidFill>
                   <a:srgbClr val="000000"/>
                 </a:solidFill>
@@ -9152,18 +9278,18 @@
               </a:rPr>
               <a:t>How to use test doubles?</a:t>
             </a:r>
-            <a:endParaRPr/>
-          </a:p>
-          <a:p>
-            <a:pPr>
-              <a:lnSpc>
-                <a:spcPct val="90000"/>
+            <a:endParaRPr dirty="0"/>
+          </a:p>
+          <a:p>
+            <a:pPr>
+              <a:lnSpc>
+                <a:spcPct val="150000"/>
               </a:lnSpc>
               <a:buFont typeface="Arial"/>
               <a:buChar char="•"/>
             </a:pPr>
             <a:r>
-              <a:rPr lang="en-GB" sz="2800" strike="noStrike">
+              <a:rPr lang="en-GB" sz="2800" strike="noStrike" dirty="0">
                 <a:solidFill>
                   <a:srgbClr val="000000"/>
                 </a:solidFill>
@@ -9171,18 +9297,18 @@
               </a:rPr>
               <a:t>When not to use test doubles?</a:t>
             </a:r>
-            <a:endParaRPr/>
-          </a:p>
-          <a:p>
-            <a:pPr>
-              <a:lnSpc>
-                <a:spcPct val="90000"/>
+            <a:endParaRPr dirty="0"/>
+          </a:p>
+          <a:p>
+            <a:pPr>
+              <a:lnSpc>
+                <a:spcPct val="150000"/>
               </a:lnSpc>
               <a:buFont typeface="Arial"/>
               <a:buChar char="•"/>
             </a:pPr>
             <a:r>
-              <a:rPr lang="en-GB" sz="2800" strike="noStrike">
+              <a:rPr lang="en-GB" sz="2800" strike="noStrike" dirty="0">
                 <a:solidFill>
                   <a:srgbClr val="000000"/>
                 </a:solidFill>
@@ -9190,26 +9316,35 @@
               </a:rPr>
               <a:t>Types of test double?</a:t>
             </a:r>
-            <a:endParaRPr/>
-          </a:p>
-          <a:p>
-            <a:pPr>
-              <a:lnSpc>
-                <a:spcPct val="90000"/>
+            <a:endParaRPr dirty="0"/>
+          </a:p>
+          <a:p>
+            <a:pPr>
+              <a:lnSpc>
+                <a:spcPct val="150000"/>
               </a:lnSpc>
               <a:buFont typeface="Arial"/>
               <a:buChar char="•"/>
             </a:pPr>
             <a:r>
-              <a:rPr lang="en-GB" sz="2800" b="1" strike="noStrike">
-                <a:solidFill>
-                  <a:srgbClr val="000000"/>
-                </a:solidFill>
-                <a:latin typeface="Calibri"/>
-              </a:rPr>
-              <a:t>PHPUnit or Prophecy?</a:t>
-            </a:r>
-            <a:endParaRPr/>
+              <a:rPr lang="en-GB" sz="2800" b="1" strike="noStrike" dirty="0" err="1">
+                <a:solidFill>
+                  <a:srgbClr val="000000"/>
+                </a:solidFill>
+                <a:latin typeface="Calibri"/>
+              </a:rPr>
+              <a:t>PHPUnit</a:t>
+            </a:r>
+            <a:r>
+              <a:rPr lang="en-GB" sz="2800" b="1" strike="noStrike" dirty="0">
+                <a:solidFill>
+                  <a:srgbClr val="000000"/>
+                </a:solidFill>
+                <a:latin typeface="Calibri"/>
+              </a:rPr>
+              <a:t> or Prophecy?</a:t>
+            </a:r>
+            <a:endParaRPr dirty="0"/>
           </a:p>
         </p:txBody>
       </p:sp>
@@ -13305,28 +13440,46 @@
           <a:p>
             <a:pPr>
               <a:lnSpc>
-                <a:spcPct val="90000"/>
-              </a:lnSpc>
-            </a:pPr>
-            <a:r>
-              <a:rPr lang="en-GB" sz="3200" strike="noStrike">
-                <a:solidFill>
-                  <a:srgbClr val="000000"/>
-                </a:solidFill>
-                <a:latin typeface="Calibri"/>
-              </a:rPr>
-              <a:t>-&gt;getMock()</a:t>
-            </a:r>
-            <a:endParaRPr/>
-          </a:p>
-          <a:p>
-            <a:pPr>
-              <a:lnSpc>
-                <a:spcPct val="90000"/>
-              </a:lnSpc>
-            </a:pPr>
-            <a:r>
-              <a:rPr lang="en-GB" sz="3200" strike="noStrike">
+                <a:spcPct val="150000"/>
+              </a:lnSpc>
+            </a:pPr>
+            <a:r>
+              <a:rPr lang="en-GB" sz="3200" strike="noStrike" dirty="0">
+                <a:solidFill>
+                  <a:srgbClr val="000000"/>
+                </a:solidFill>
+                <a:latin typeface="Calibri"/>
+              </a:rPr>
+              <a:t>-&gt;</a:t>
+            </a:r>
+            <a:r>
+              <a:rPr lang="en-GB" sz="3200" strike="noStrike" dirty="0" err="1">
+                <a:solidFill>
+                  <a:srgbClr val="000000"/>
+                </a:solidFill>
+                <a:latin typeface="Calibri"/>
+              </a:rPr>
+              <a:t>getMock</a:t>
+            </a:r>
+            <a:r>
+              <a:rPr lang="en-GB" sz="3200" strike="noStrike" dirty="0">
+                <a:solidFill>
+                  <a:srgbClr val="000000"/>
+                </a:solidFill>
+                <a:latin typeface="Calibri"/>
+              </a:rPr>
+              <a:t>()</a:t>
+            </a:r>
+            <a:endParaRPr dirty="0"/>
+          </a:p>
+          <a:p>
+            <a:pPr>
+              <a:lnSpc>
+                <a:spcPct val="150000"/>
+              </a:lnSpc>
+            </a:pPr>
+            <a:r>
+              <a:rPr lang="en-GB" sz="3200" strike="noStrike" dirty="0">
                 <a:solidFill>
                   <a:srgbClr val="000000"/>
                 </a:solidFill>
@@ -13334,16 +13487,16 @@
               </a:rPr>
               <a:t>-&gt;prophesize()</a:t>
             </a:r>
-            <a:endParaRPr/>
-          </a:p>
-          <a:p>
-            <a:pPr>
-              <a:lnSpc>
-                <a:spcPct val="90000"/>
-              </a:lnSpc>
-            </a:pPr>
-            <a:r>
-              <a:rPr lang="en-GB" sz="3200" strike="noStrike">
+            <a:endParaRPr dirty="0"/>
+          </a:p>
+          <a:p>
+            <a:pPr>
+              <a:lnSpc>
+                <a:spcPct val="150000"/>
+              </a:lnSpc>
+            </a:pPr>
+            <a:r>
+              <a:rPr lang="en-GB" sz="3200" strike="noStrike" dirty="0">
                 <a:solidFill>
                   <a:srgbClr val="000000"/>
                 </a:solidFill>
@@ -13351,41 +13504,77 @@
               </a:rPr>
               <a:t>-&gt;reveal()</a:t>
             </a:r>
-            <a:endParaRPr/>
-          </a:p>
-          <a:p>
-            <a:pPr>
-              <a:lnSpc>
-                <a:spcPct val="90000"/>
-              </a:lnSpc>
-            </a:pPr>
-            <a:r>
-              <a:rPr lang="en-GB" sz="3200" strike="noStrike">
-                <a:solidFill>
-                  <a:srgbClr val="000000"/>
-                </a:solidFill>
-                <a:latin typeface="Calibri"/>
-              </a:rPr>
-              <a:t>-&gt;getMockBuilder()</a:t>
-            </a:r>
-            <a:endParaRPr/>
-          </a:p>
-          <a:p>
-            <a:pPr>
-              <a:lnSpc>
-                <a:spcPct val="90000"/>
-              </a:lnSpc>
-            </a:pPr>
-            <a:r>
-              <a:rPr lang="en-GB" sz="3200" strike="noStrike">
-                <a:solidFill>
-                  <a:srgbClr val="000000"/>
-                </a:solidFill>
-                <a:latin typeface="Calibri"/>
-              </a:rPr>
-              <a:t>-&gt;disableOriginalConstructor()</a:t>
-            </a:r>
-            <a:endParaRPr/>
+            <a:endParaRPr dirty="0"/>
+          </a:p>
+          <a:p>
+            <a:pPr>
+              <a:lnSpc>
+                <a:spcPct val="150000"/>
+              </a:lnSpc>
+            </a:pPr>
+            <a:r>
+              <a:rPr lang="en-GB" sz="3200" strike="noStrike" dirty="0">
+                <a:solidFill>
+                  <a:srgbClr val="000000"/>
+                </a:solidFill>
+                <a:latin typeface="Calibri"/>
+              </a:rPr>
+              <a:t>-&gt;</a:t>
+            </a:r>
+            <a:r>
+              <a:rPr lang="en-GB" sz="3200" strike="noStrike" dirty="0" err="1">
+                <a:solidFill>
+                  <a:srgbClr val="000000"/>
+                </a:solidFill>
+                <a:latin typeface="Calibri"/>
+              </a:rPr>
+              <a:t>getMockBuilder</a:t>
+            </a:r>
+            <a:r>
+              <a:rPr lang="en-GB" sz="3200" strike="noStrike" dirty="0">
+                <a:solidFill>
+                  <a:srgbClr val="000000"/>
+                </a:solidFill>
+                <a:latin typeface="Calibri"/>
+              </a:rPr>
+              <a:t>()</a:t>
+            </a:r>
+            <a:endParaRPr dirty="0"/>
+          </a:p>
+          <a:p>
+            <a:pPr>
+              <a:lnSpc>
+                <a:spcPct val="150000"/>
+              </a:lnSpc>
+            </a:pPr>
+            <a:r>
+              <a:rPr lang="en-GB" sz="3200" strike="noStrike" dirty="0">
+                <a:solidFill>
+                  <a:srgbClr val="000000"/>
+                </a:solidFill>
+                <a:latin typeface="Calibri"/>
+              </a:rPr>
+              <a:t>-&gt;</a:t>
+            </a:r>
+            <a:r>
+              <a:rPr lang="en-GB" sz="3200" strike="noStrike" dirty="0" err="1">
+                <a:solidFill>
+                  <a:srgbClr val="000000"/>
+                </a:solidFill>
+                <a:latin typeface="Calibri"/>
+              </a:rPr>
+              <a:t>disableOriginalConstructor</a:t>
+            </a:r>
+            <a:r>
+              <a:rPr lang="en-GB" sz="3200" strike="noStrike" dirty="0">
+                <a:solidFill>
+                  <a:srgbClr val="000000"/>
+                </a:solidFill>
+                <a:latin typeface="Calibri"/>
+              </a:rPr>
+              <a:t>()</a:t>
+            </a:r>
+            <a:endParaRPr dirty="0"/>
           </a:p>
         </p:txBody>
       </p:sp>
@@ -25861,11 +26050,11 @@
           <a:p>
             <a:pPr>
               <a:lnSpc>
-                <a:spcPct val="90000"/>
-              </a:lnSpc>
-            </a:pPr>
-            <a:r>
-              <a:rPr lang="en-GB" sz="3200" strike="noStrike">
+                <a:spcPct val="150000"/>
+              </a:lnSpc>
+            </a:pPr>
+            <a:r>
+              <a:rPr lang="en-GB" sz="3200" strike="noStrike" dirty="0">
                 <a:solidFill>
                   <a:srgbClr val="000000"/>
                 </a:solidFill>
@@ -25873,58 +26062,112 @@
               </a:rPr>
               <a:t>-&gt;method()</a:t>
             </a:r>
-            <a:endParaRPr/>
-          </a:p>
-          <a:p>
-            <a:pPr>
-              <a:lnSpc>
-                <a:spcPct val="90000"/>
-              </a:lnSpc>
-            </a:pPr>
-            <a:r>
-              <a:rPr lang="en-GB" sz="3200" strike="noStrike">
-                <a:solidFill>
-                  <a:srgbClr val="000000"/>
-                </a:solidFill>
-                <a:latin typeface="Calibri"/>
-              </a:rPr>
-              <a:t>-&gt;onConsecutiveCalls()</a:t>
-            </a:r>
-            <a:endParaRPr/>
-          </a:p>
-          <a:p>
-            <a:pPr>
-              <a:lnSpc>
-                <a:spcPct val="90000"/>
-              </a:lnSpc>
-            </a:pPr>
-            <a:r>
-              <a:rPr lang="en-GB" sz="3200" strike="noStrike">
-                <a:solidFill>
-                  <a:srgbClr val="000000"/>
-                </a:solidFill>
-                <a:latin typeface="Calibri"/>
-              </a:rPr>
-              <a:t>-&gt;returnCallback()</a:t>
-            </a:r>
-            <a:endParaRPr/>
-          </a:p>
-          <a:p>
-            <a:pPr>
-              <a:lnSpc>
-                <a:spcPct val="90000"/>
-              </a:lnSpc>
-            </a:pPr>
-            <a:r>
-              <a:rPr lang="en-GB" sz="3200" strike="noStrike">
-                <a:solidFill>
-                  <a:srgbClr val="000000"/>
-                </a:solidFill>
-                <a:latin typeface="Calibri"/>
-              </a:rPr>
-              <a:t>-&gt;setMethods()</a:t>
-            </a:r>
-            <a:endParaRPr/>
+            <a:endParaRPr dirty="0"/>
+          </a:p>
+          <a:p>
+            <a:pPr>
+              <a:lnSpc>
+                <a:spcPct val="150000"/>
+              </a:lnSpc>
+            </a:pPr>
+            <a:r>
+              <a:rPr lang="en-GB" sz="3200" strike="noStrike" dirty="0">
+                <a:solidFill>
+                  <a:srgbClr val="000000"/>
+                </a:solidFill>
+                <a:latin typeface="Calibri"/>
+              </a:rPr>
+              <a:t>-&gt;</a:t>
+            </a:r>
+            <a:r>
+              <a:rPr lang="en-GB" sz="3200" strike="noStrike" dirty="0" err="1">
+                <a:solidFill>
+                  <a:srgbClr val="000000"/>
+                </a:solidFill>
+                <a:latin typeface="Calibri"/>
+              </a:rPr>
+              <a:t>onConsecutiveCalls</a:t>
+            </a:r>
+            <a:r>
+              <a:rPr lang="en-GB" sz="3200" strike="noStrike" dirty="0">
+                <a:solidFill>
+                  <a:srgbClr val="000000"/>
+                </a:solidFill>
+                <a:latin typeface="Calibri"/>
+              </a:rPr>
+              <a:t>()</a:t>
+            </a:r>
+            <a:endParaRPr dirty="0"/>
+          </a:p>
+          <a:p>
+            <a:pPr>
+              <a:lnSpc>
+                <a:spcPct val="150000"/>
+              </a:lnSpc>
+            </a:pPr>
+            <a:r>
+              <a:rPr lang="en-GB" sz="3200" strike="noStrike" dirty="0">
+                <a:solidFill>
+                  <a:srgbClr val="000000"/>
+                </a:solidFill>
+                <a:latin typeface="Calibri"/>
+              </a:rPr>
+              <a:t>-&gt;</a:t>
+            </a:r>
+            <a:r>
+              <a:rPr lang="en-GB" sz="3200" strike="noStrike" dirty="0" err="1">
+                <a:solidFill>
+                  <a:srgbClr val="000000"/>
+                </a:solidFill>
+                <a:latin typeface="Calibri"/>
+              </a:rPr>
+              <a:t>returnCallback</a:t>
+            </a:r>
+            <a:r>
+              <a:rPr lang="en-GB" sz="3200" strike="noStrike" dirty="0">
+                <a:solidFill>
+                  <a:srgbClr val="000000"/>
+                </a:solidFill>
+                <a:latin typeface="Calibri"/>
+              </a:rPr>
+              <a:t>()</a:t>
+            </a:r>
+            <a:endParaRPr dirty="0"/>
+          </a:p>
+          <a:p>
+            <a:pPr>
+              <a:lnSpc>
+                <a:spcPct val="150000"/>
+              </a:lnSpc>
+            </a:pPr>
+            <a:r>
+              <a:rPr lang="en-GB" sz="3200" strike="noStrike" dirty="0">
+                <a:solidFill>
+                  <a:srgbClr val="000000"/>
+                </a:solidFill>
+                <a:latin typeface="Calibri"/>
+              </a:rPr>
+              <a:t>-&gt;</a:t>
+            </a:r>
+            <a:r>
+              <a:rPr lang="en-GB" sz="3200" strike="noStrike" dirty="0" err="1">
+                <a:solidFill>
+                  <a:srgbClr val="000000"/>
+                </a:solidFill>
+                <a:latin typeface="Calibri"/>
+              </a:rPr>
+              <a:t>setMethods</a:t>
+            </a:r>
+            <a:r>
+              <a:rPr lang="en-GB" sz="3200" strike="noStrike" dirty="0">
+                <a:solidFill>
+                  <a:srgbClr val="000000"/>
+                </a:solidFill>
+                <a:latin typeface="Calibri"/>
+              </a:rPr>
+              <a:t>()</a:t>
+            </a:r>
+            <a:endParaRPr dirty="0"/>
           </a:p>
         </p:txBody>
       </p:sp>
@@ -36454,11 +36697,11 @@
           <a:p>
             <a:pPr>
               <a:lnSpc>
-                <a:spcPct val="90000"/>
-              </a:lnSpc>
-            </a:pPr>
-            <a:r>
-              <a:rPr lang="en-GB" sz="3200" strike="noStrike">
+                <a:spcPct val="150000"/>
+              </a:lnSpc>
+            </a:pPr>
+            <a:r>
+              <a:rPr lang="en-GB" sz="3200" strike="noStrike" dirty="0">
                 <a:solidFill>
                   <a:srgbClr val="000000"/>
                 </a:solidFill>
@@ -36466,33 +36709,51 @@
               </a:rPr>
               <a:t>-&gt;expects()</a:t>
             </a:r>
-            <a:endParaRPr/>
-          </a:p>
-          <a:p>
-            <a:pPr>
-              <a:lnSpc>
-                <a:spcPct val="90000"/>
-              </a:lnSpc>
-            </a:pPr>
-            <a:r>
-              <a:rPr lang="en-GB" sz="3200" strike="noStrike">
-                <a:solidFill>
-                  <a:srgbClr val="000000"/>
-                </a:solidFill>
-                <a:latin typeface="Calibri"/>
-              </a:rPr>
-              <a:t>-&gt;shouldHaveBeenCalled()</a:t>
-            </a:r>
-            <a:endParaRPr/>
-          </a:p>
-          <a:p>
-            <a:pPr>
-              <a:lnSpc>
-                <a:spcPct val="90000"/>
-              </a:lnSpc>
-            </a:pPr>
-            <a:r>
-              <a:rPr lang="en-GB" sz="3200" strike="noStrike">
+            <a:endParaRPr dirty="0"/>
+          </a:p>
+          <a:p>
+            <a:pPr>
+              <a:lnSpc>
+                <a:spcPct val="150000"/>
+              </a:lnSpc>
+            </a:pPr>
+            <a:r>
+              <a:rPr lang="en-GB" sz="3200" strike="noStrike" dirty="0">
+                <a:solidFill>
+                  <a:srgbClr val="000000"/>
+                </a:solidFill>
+                <a:latin typeface="Calibri"/>
+              </a:rPr>
+              <a:t>-&gt;</a:t>
+            </a:r>
+            <a:r>
+              <a:rPr lang="en-GB" sz="3200" strike="noStrike" dirty="0" err="1">
+                <a:solidFill>
+                  <a:srgbClr val="000000"/>
+                </a:solidFill>
+                <a:latin typeface="Calibri"/>
+              </a:rPr>
+              <a:t>shouldHaveBeenCalled</a:t>
+            </a:r>
+            <a:r>
+              <a:rPr lang="en-GB" sz="3200" strike="noStrike" dirty="0">
+                <a:solidFill>
+                  <a:srgbClr val="000000"/>
+                </a:solidFill>
+                <a:latin typeface="Calibri"/>
+              </a:rPr>
+              <a:t>()</a:t>
+            </a:r>
+            <a:endParaRPr dirty="0"/>
+          </a:p>
+          <a:p>
+            <a:pPr>
+              <a:lnSpc>
+                <a:spcPct val="150000"/>
+              </a:lnSpc>
+            </a:pPr>
+            <a:r>
+              <a:rPr lang="en-GB" sz="3200" strike="noStrike" dirty="0">
                 <a:solidFill>
                   <a:srgbClr val="000000"/>
                 </a:solidFill>
@@ -36500,41 +36761,77 @@
               </a:rPr>
               <a:t>-&gt;with()</a:t>
             </a:r>
-            <a:endParaRPr/>
-          </a:p>
-          <a:p>
-            <a:pPr>
-              <a:lnSpc>
-                <a:spcPct val="90000"/>
-              </a:lnSpc>
-            </a:pPr>
-            <a:r>
-              <a:rPr lang="en-GB" sz="3200" strike="noStrike">
-                <a:solidFill>
-                  <a:srgbClr val="000000"/>
-                </a:solidFill>
-                <a:latin typeface="Calibri"/>
-              </a:rPr>
-              <a:t>-&gt;withConsecutive()</a:t>
-            </a:r>
-            <a:endParaRPr/>
-          </a:p>
-          <a:p>
-            <a:pPr>
-              <a:lnSpc>
-                <a:spcPct val="90000"/>
-              </a:lnSpc>
-            </a:pPr>
-            <a:r>
-              <a:rPr lang="en-GB" sz="3200" strike="noStrike">
-                <a:solidFill>
-                  <a:srgbClr val="000000"/>
-                </a:solidFill>
-                <a:latin typeface="Calibri"/>
-              </a:rPr>
-              <a:t>-&gt;equalTo()</a:t>
-            </a:r>
-            <a:endParaRPr/>
+            <a:endParaRPr dirty="0"/>
+          </a:p>
+          <a:p>
+            <a:pPr>
+              <a:lnSpc>
+                <a:spcPct val="150000"/>
+              </a:lnSpc>
+            </a:pPr>
+            <a:r>
+              <a:rPr lang="en-GB" sz="3200" strike="noStrike" dirty="0">
+                <a:solidFill>
+                  <a:srgbClr val="000000"/>
+                </a:solidFill>
+                <a:latin typeface="Calibri"/>
+              </a:rPr>
+              <a:t>-&gt;</a:t>
+            </a:r>
+            <a:r>
+              <a:rPr lang="en-GB" sz="3200" strike="noStrike" dirty="0" err="1">
+                <a:solidFill>
+                  <a:srgbClr val="000000"/>
+                </a:solidFill>
+                <a:latin typeface="Calibri"/>
+              </a:rPr>
+              <a:t>withConsecutive</a:t>
+            </a:r>
+            <a:r>
+              <a:rPr lang="en-GB" sz="3200" strike="noStrike" dirty="0">
+                <a:solidFill>
+                  <a:srgbClr val="000000"/>
+                </a:solidFill>
+                <a:latin typeface="Calibri"/>
+              </a:rPr>
+              <a:t>()</a:t>
+            </a:r>
+            <a:endParaRPr dirty="0"/>
+          </a:p>
+          <a:p>
+            <a:pPr>
+              <a:lnSpc>
+                <a:spcPct val="150000"/>
+              </a:lnSpc>
+            </a:pPr>
+            <a:r>
+              <a:rPr lang="en-GB" sz="3200" strike="noStrike" dirty="0">
+                <a:solidFill>
+                  <a:srgbClr val="000000"/>
+                </a:solidFill>
+                <a:latin typeface="Calibri"/>
+              </a:rPr>
+              <a:t>-&gt;</a:t>
+            </a:r>
+            <a:r>
+              <a:rPr lang="en-GB" sz="3200" strike="noStrike" dirty="0" err="1">
+                <a:solidFill>
+                  <a:srgbClr val="000000"/>
+                </a:solidFill>
+                <a:latin typeface="Calibri"/>
+              </a:rPr>
+              <a:t>equalTo</a:t>
+            </a:r>
+            <a:r>
+              <a:rPr lang="en-GB" sz="3200" strike="noStrike" dirty="0">
+                <a:solidFill>
+                  <a:srgbClr val="000000"/>
+                </a:solidFill>
+                <a:latin typeface="Calibri"/>
+              </a:rPr>
+              <a:t>()</a:t>
+            </a:r>
+            <a:endParaRPr dirty="0"/>
           </a:p>
         </p:txBody>
       </p:sp>
@@ -37586,6 +37883,223 @@
       </p:grpSpPr>
       <p:sp>
         <p:nvSpPr>
+          <p:cNvPr id="594" name="TextShape 1"/>
+          <p:cNvSpPr txBox="1"/>
+          <p:nvPr/>
+        </p:nvSpPr>
+        <p:spPr>
+          <a:xfrm>
+            <a:off x="838080" y="365040"/>
+            <a:ext cx="10515600" cy="1325520"/>
+          </a:xfrm>
+          <a:prstGeom prst="rect">
+            <a:avLst/>
+          </a:prstGeom>
+          <a:noFill/>
+          <a:ln w="12600">
+            <a:noFill/>
+          </a:ln>
+        </p:spPr>
+        <p:txBody>
+          <a:bodyPr anchor="ctr"/>
+          <a:lstStyle/>
+          <a:p>
+            <a:pPr>
+              <a:lnSpc>
+                <a:spcPct val="90000"/>
+              </a:lnSpc>
+            </a:pPr>
+            <a:r>
+              <a:rPr lang="en-GB" sz="4400" strike="noStrike" dirty="0" err="1">
+                <a:solidFill>
+                  <a:srgbClr val="000000"/>
+                </a:solidFill>
+                <a:latin typeface="Calibri Light"/>
+              </a:rPr>
+              <a:t>PHPUnit</a:t>
+            </a:r>
+            <a:r>
+              <a:rPr lang="en-GB" sz="4400" strike="noStrike" dirty="0">
+                <a:solidFill>
+                  <a:srgbClr val="000000"/>
+                </a:solidFill>
+                <a:latin typeface="Calibri Light"/>
+              </a:rPr>
+              <a:t> or </a:t>
+            </a:r>
+            <a:r>
+              <a:rPr lang="en-GB" sz="4400" strike="noStrike" dirty="0" smtClean="0">
+                <a:solidFill>
+                  <a:srgbClr val="000000"/>
+                </a:solidFill>
+                <a:latin typeface="Calibri Light"/>
+              </a:rPr>
+              <a:t>Prophecy </a:t>
+            </a:r>
+            <a:r>
+              <a:rPr lang="en-GB" sz="4400" strike="noStrike" dirty="0">
+                <a:solidFill>
+                  <a:srgbClr val="000000"/>
+                </a:solidFill>
+                <a:latin typeface="Calibri Light"/>
+              </a:rPr>
+              <a:t>: </a:t>
+            </a:r>
+            <a:r>
+              <a:rPr lang="en-GB" sz="4400" strike="noStrike" dirty="0" smtClean="0">
+                <a:solidFill>
+                  <a:srgbClr val="000000"/>
+                </a:solidFill>
+                <a:latin typeface="Calibri Light"/>
+              </a:rPr>
+              <a:t>Considerations</a:t>
+            </a:r>
+            <a:endParaRPr dirty="0"/>
+          </a:p>
+        </p:txBody>
+      </p:sp>
+      <p:sp>
+        <p:nvSpPr>
+          <p:cNvPr id="595" name="TextShape 2"/>
+          <p:cNvSpPr txBox="1"/>
+          <p:nvPr/>
+        </p:nvSpPr>
+        <p:spPr>
+          <a:xfrm>
+            <a:off x="825200" y="1825560"/>
+            <a:ext cx="10302145" cy="4351320"/>
+          </a:xfrm>
+          <a:prstGeom prst="rect">
+            <a:avLst/>
+          </a:prstGeom>
+          <a:noFill/>
+          <a:ln w="12600">
+            <a:noFill/>
+          </a:ln>
+        </p:spPr>
+        <p:txBody>
+          <a:bodyPr/>
+          <a:lstStyle/>
+          <a:p>
+            <a:pPr marL="457200" indent="-457200">
+              <a:lnSpc>
+                <a:spcPct val="150000"/>
+              </a:lnSpc>
+              <a:buFont typeface="Arial" pitchFamily="34" charset="0"/>
+              <a:buChar char="•"/>
+            </a:pPr>
+            <a:r>
+              <a:rPr lang="en-GB" sz="2800" dirty="0" smtClean="0"/>
+              <a:t>Constructor logic</a:t>
+            </a:r>
+          </a:p>
+          <a:p>
+            <a:pPr marL="457200" indent="-457200">
+              <a:lnSpc>
+                <a:spcPct val="150000"/>
+              </a:lnSpc>
+              <a:buFont typeface="Arial" pitchFamily="34" charset="0"/>
+              <a:buChar char="•"/>
+            </a:pPr>
+            <a:r>
+              <a:rPr lang="en-GB" sz="2800" dirty="0" smtClean="0"/>
+              <a:t>Magic methods</a:t>
+            </a:r>
+          </a:p>
+          <a:p>
+            <a:pPr marL="457200" indent="-457200">
+              <a:lnSpc>
+                <a:spcPct val="150000"/>
+              </a:lnSpc>
+              <a:buFont typeface="Arial" pitchFamily="34" charset="0"/>
+              <a:buChar char="•"/>
+            </a:pPr>
+            <a:r>
+              <a:rPr lang="en-GB" sz="2800" dirty="0" smtClean="0"/>
+              <a:t>Number of methods</a:t>
+            </a:r>
+          </a:p>
+          <a:p>
+            <a:pPr marL="457200" indent="-457200">
+              <a:lnSpc>
+                <a:spcPct val="150000"/>
+              </a:lnSpc>
+              <a:buFont typeface="Arial" pitchFamily="34" charset="0"/>
+              <a:buChar char="•"/>
+            </a:pPr>
+            <a:r>
+              <a:rPr lang="en-GB" sz="2800" dirty="0" smtClean="0"/>
+              <a:t>Method arguments</a:t>
+            </a:r>
+          </a:p>
+          <a:p>
+            <a:pPr marL="457200" indent="-457200">
+              <a:lnSpc>
+                <a:spcPct val="150000"/>
+              </a:lnSpc>
+              <a:buFont typeface="Arial" pitchFamily="34" charset="0"/>
+              <a:buChar char="•"/>
+            </a:pPr>
+            <a:r>
+              <a:rPr lang="en-GB" sz="2800" dirty="0" smtClean="0"/>
+              <a:t>Method call order</a:t>
+            </a:r>
+          </a:p>
+          <a:p>
+            <a:pPr marL="457200" indent="-457200">
+              <a:lnSpc>
+                <a:spcPct val="150000"/>
+              </a:lnSpc>
+              <a:buFont typeface="Arial" pitchFamily="34" charset="0"/>
+              <a:buChar char="•"/>
+            </a:pPr>
+            <a:r>
+              <a:rPr lang="en-GB" sz="2800" dirty="0" smtClean="0"/>
+              <a:t>Input or output testing?</a:t>
+            </a:r>
+            <a:endParaRPr sz="2800" dirty="0"/>
+          </a:p>
+        </p:txBody>
+      </p:sp>
+    </p:spTree>
+    <p:extLst>
+      <p:ext uri="{BB962C8B-B14F-4D97-AF65-F5344CB8AC3E}">
+        <p14:creationId xmlns:p14="http://schemas.microsoft.com/office/powerpoint/2010/main" val="3950761587"/>
+      </p:ext>
+    </p:extLst>
+  </p:cSld>
+  <p:clrMapOvr>
+    <a:masterClrMapping/>
+  </p:clrMapOvr>
+  <p:timing>
+    <p:tnLst>
+      <p:par>
+        <p:cTn id="1" dur="indefinite" restart="never" nodeType="tmRoot"/>
+      </p:par>
+    </p:tnLst>
+  </p:timing>
+</p:sld>
+</file>
+
+<file path=ppt/slides/slide56.xml><?xml version="1.0" encoding="utf-8"?>
+<p:sld xmlns:a="http://schemas.openxmlformats.org/drawingml/2006/main" xmlns:r="http://schemas.openxmlformats.org/officeDocument/2006/relationships" xmlns:p="http://schemas.openxmlformats.org/presentationml/2006/main">
+  <p:cSld>
+    <p:spTree>
+      <p:nvGrpSpPr>
+        <p:cNvPr id="1" name=""/>
+        <p:cNvGrpSpPr/>
+        <p:nvPr/>
+      </p:nvGrpSpPr>
+      <p:grpSpPr>
+        <a:xfrm>
+          <a:off x="0" y="0"/>
+          <a:ext cx="0" cy="0"/>
+          <a:chOff x="0" y="0"/>
+          <a:chExt cx="0" cy="0"/>
+        </a:xfrm>
+      </p:grpSpPr>
+      <p:sp>
+        <p:nvSpPr>
           <p:cNvPr id="2" name="Title 1"/>
           <p:cNvSpPr>
             <a:spLocks noGrp="1"/>
@@ -37687,7 +38201,11 @@
             </a:pPr>
             <a:r>
               <a:rPr lang="en-GB" sz="3000" dirty="0" smtClean="0"/>
-              <a:t>Other Frameworks</a:t>
+              <a:t>Other </a:t>
+            </a:r>
+            <a:r>
+              <a:rPr lang="en-GB" sz="3000" dirty="0" smtClean="0"/>
+              <a:t>Testing Frameworks</a:t>
             </a:r>
             <a:endParaRPr lang="en-GB" dirty="0"/>
           </a:p>
@@ -37721,6 +38239,13 @@
   <p:clrMapOvr>
     <a:masterClrMapping/>
   </p:clrMapOvr>
+  <p:timing>
+    <p:tnLst>
+      <p:par>
+        <p:cTn id="1" dur="indefinite" restart="never" nodeType="tmRoot"/>
+      </p:par>
+    </p:tnLst>
+  </p:timing>
 </p:sld>
 </file>
 
@@ -37807,13 +38332,13 @@
           <a:p>
             <a:pPr>
               <a:lnSpc>
-                <a:spcPct val="90000"/>
+                <a:spcPct val="150000"/>
               </a:lnSpc>
               <a:buFont typeface="Arial"/>
               <a:buChar char="•"/>
             </a:pPr>
             <a:r>
-              <a:rPr lang="en-GB" sz="2800" strike="noStrike">
+              <a:rPr lang="en-GB" sz="2800" strike="noStrike" dirty="0">
                 <a:solidFill>
                   <a:srgbClr val="000000"/>
                 </a:solidFill>
@@ -37821,18 +38346,18 @@
               </a:rPr>
               <a:t>Why use unit testing?</a:t>
             </a:r>
-            <a:endParaRPr/>
-          </a:p>
-          <a:p>
-            <a:pPr>
-              <a:lnSpc>
-                <a:spcPct val="90000"/>
+            <a:endParaRPr dirty="0"/>
+          </a:p>
+          <a:p>
+            <a:pPr>
+              <a:lnSpc>
+                <a:spcPct val="150000"/>
               </a:lnSpc>
               <a:buFont typeface="Arial"/>
               <a:buChar char="•"/>
             </a:pPr>
             <a:r>
-              <a:rPr lang="en-GB" sz="2800" strike="noStrike">
+              <a:rPr lang="en-GB" sz="2800" strike="noStrike" dirty="0">
                 <a:solidFill>
                   <a:srgbClr val="000000"/>
                 </a:solidFill>
@@ -37840,18 +38365,18 @@
               </a:rPr>
               <a:t>Why use mock objects?</a:t>
             </a:r>
-            <a:endParaRPr/>
-          </a:p>
-          <a:p>
-            <a:pPr>
-              <a:lnSpc>
-                <a:spcPct val="90000"/>
+            <a:endParaRPr dirty="0"/>
+          </a:p>
+          <a:p>
+            <a:pPr>
+              <a:lnSpc>
+                <a:spcPct val="150000"/>
               </a:lnSpc>
               <a:buFont typeface="Arial"/>
               <a:buChar char="•"/>
             </a:pPr>
             <a:r>
-              <a:rPr lang="en-GB" sz="2800" strike="noStrike">
+              <a:rPr lang="en-GB" sz="2800" strike="noStrike" dirty="0">
                 <a:solidFill>
                   <a:srgbClr val="000000"/>
                 </a:solidFill>
@@ -37859,18 +38384,18 @@
               </a:rPr>
               <a:t>How to use mock objects?</a:t>
             </a:r>
-            <a:endParaRPr/>
-          </a:p>
-          <a:p>
-            <a:pPr>
-              <a:lnSpc>
-                <a:spcPct val="90000"/>
+            <a:endParaRPr dirty="0"/>
+          </a:p>
+          <a:p>
+            <a:pPr>
+              <a:lnSpc>
+                <a:spcPct val="150000"/>
               </a:lnSpc>
               <a:buFont typeface="Arial"/>
               <a:buChar char="•"/>
             </a:pPr>
             <a:r>
-              <a:rPr lang="en-GB" sz="2800" strike="noStrike">
+              <a:rPr lang="en-GB" sz="2800" strike="noStrike" dirty="0">
                 <a:solidFill>
                   <a:srgbClr val="000000"/>
                 </a:solidFill>
@@ -37878,18 +38403,18 @@
               </a:rPr>
               <a:t>When not to use mock objects?</a:t>
             </a:r>
-            <a:endParaRPr/>
-          </a:p>
-          <a:p>
-            <a:pPr>
-              <a:lnSpc>
-                <a:spcPct val="90000"/>
+            <a:endParaRPr dirty="0"/>
+          </a:p>
+          <a:p>
+            <a:pPr>
+              <a:lnSpc>
+                <a:spcPct val="150000"/>
               </a:lnSpc>
               <a:buFont typeface="Arial"/>
               <a:buChar char="•"/>
             </a:pPr>
             <a:r>
-              <a:rPr lang="en-GB" sz="2800" strike="noStrike">
+              <a:rPr lang="en-GB" sz="2800" strike="noStrike" dirty="0">
                 <a:solidFill>
                   <a:srgbClr val="000000"/>
                 </a:solidFill>
@@ -37897,26 +38422,35 @@
               </a:rPr>
               <a:t>Types of mock object?</a:t>
             </a:r>
-            <a:endParaRPr/>
-          </a:p>
-          <a:p>
-            <a:pPr>
-              <a:lnSpc>
-                <a:spcPct val="90000"/>
+            <a:endParaRPr dirty="0"/>
+          </a:p>
+          <a:p>
+            <a:pPr>
+              <a:lnSpc>
+                <a:spcPct val="150000"/>
               </a:lnSpc>
               <a:buFont typeface="Arial"/>
               <a:buChar char="•"/>
             </a:pPr>
             <a:r>
-              <a:rPr lang="en-GB" sz="2800" strike="noStrike">
-                <a:solidFill>
-                  <a:srgbClr val="000000"/>
-                </a:solidFill>
-                <a:latin typeface="Calibri"/>
-              </a:rPr>
-              <a:t>PHPUnit or Prophecy?</a:t>
-            </a:r>
-            <a:endParaRPr/>
+              <a:rPr lang="en-GB" sz="2800" strike="noStrike" dirty="0" err="1">
+                <a:solidFill>
+                  <a:srgbClr val="000000"/>
+                </a:solidFill>
+                <a:latin typeface="Calibri"/>
+              </a:rPr>
+              <a:t>PHPUnit</a:t>
+            </a:r>
+            <a:r>
+              <a:rPr lang="en-GB" sz="2800" strike="noStrike" dirty="0">
+                <a:solidFill>
+                  <a:srgbClr val="000000"/>
+                </a:solidFill>
+                <a:latin typeface="Calibri"/>
+              </a:rPr>
+              <a:t> or Prophecy?</a:t>
+            </a:r>
+            <a:endParaRPr dirty="0"/>
           </a:p>
         </p:txBody>
       </p:sp>
@@ -38023,13 +38557,13 @@
           <a:p>
             <a:pPr>
               <a:lnSpc>
-                <a:spcPct val="90000"/>
+                <a:spcPct val="150000"/>
               </a:lnSpc>
               <a:buFont typeface="Arial"/>
               <a:buChar char="•"/>
             </a:pPr>
             <a:r>
-              <a:rPr lang="en-GB" sz="2800" b="1" strike="noStrike">
+              <a:rPr lang="en-GB" sz="2800" b="1" strike="noStrike" dirty="0">
                 <a:solidFill>
                   <a:srgbClr val="000000"/>
                 </a:solidFill>
@@ -38037,18 +38571,18 @@
               </a:rPr>
               <a:t>Why use unit testing?</a:t>
             </a:r>
-            <a:endParaRPr/>
-          </a:p>
-          <a:p>
-            <a:pPr>
-              <a:lnSpc>
-                <a:spcPct val="90000"/>
+            <a:endParaRPr dirty="0"/>
+          </a:p>
+          <a:p>
+            <a:pPr>
+              <a:lnSpc>
+                <a:spcPct val="150000"/>
               </a:lnSpc>
               <a:buFont typeface="Arial"/>
               <a:buChar char="•"/>
             </a:pPr>
             <a:r>
-              <a:rPr lang="en-GB" sz="2800" strike="noStrike">
+              <a:rPr lang="en-GB" sz="2800" strike="noStrike" dirty="0">
                 <a:solidFill>
                   <a:srgbClr val="000000"/>
                 </a:solidFill>
@@ -38056,18 +38590,18 @@
               </a:rPr>
               <a:t>Why use mock objects?</a:t>
             </a:r>
-            <a:endParaRPr/>
-          </a:p>
-          <a:p>
-            <a:pPr>
-              <a:lnSpc>
-                <a:spcPct val="90000"/>
+            <a:endParaRPr dirty="0"/>
+          </a:p>
+          <a:p>
+            <a:pPr>
+              <a:lnSpc>
+                <a:spcPct val="150000"/>
               </a:lnSpc>
               <a:buFont typeface="Arial"/>
               <a:buChar char="•"/>
             </a:pPr>
             <a:r>
-              <a:rPr lang="en-GB" sz="2800" strike="noStrike">
+              <a:rPr lang="en-GB" sz="2800" strike="noStrike" dirty="0">
                 <a:solidFill>
                   <a:srgbClr val="000000"/>
                 </a:solidFill>
@@ -38075,18 +38609,18 @@
               </a:rPr>
               <a:t>How to use mock objects?</a:t>
             </a:r>
-            <a:endParaRPr/>
-          </a:p>
-          <a:p>
-            <a:pPr>
-              <a:lnSpc>
-                <a:spcPct val="90000"/>
+            <a:endParaRPr dirty="0"/>
+          </a:p>
+          <a:p>
+            <a:pPr>
+              <a:lnSpc>
+                <a:spcPct val="150000"/>
               </a:lnSpc>
               <a:buFont typeface="Arial"/>
               <a:buChar char="•"/>
             </a:pPr>
             <a:r>
-              <a:rPr lang="en-GB" sz="2800" strike="noStrike">
+              <a:rPr lang="en-GB" sz="2800" strike="noStrike" dirty="0">
                 <a:solidFill>
                   <a:srgbClr val="000000"/>
                 </a:solidFill>
@@ -38094,18 +38628,18 @@
               </a:rPr>
               <a:t>When not to use mock objects?</a:t>
             </a:r>
-            <a:endParaRPr/>
-          </a:p>
-          <a:p>
-            <a:pPr>
-              <a:lnSpc>
-                <a:spcPct val="90000"/>
+            <a:endParaRPr dirty="0"/>
+          </a:p>
+          <a:p>
+            <a:pPr>
+              <a:lnSpc>
+                <a:spcPct val="150000"/>
               </a:lnSpc>
               <a:buFont typeface="Arial"/>
               <a:buChar char="•"/>
             </a:pPr>
             <a:r>
-              <a:rPr lang="en-GB" sz="2800" strike="noStrike">
+              <a:rPr lang="en-GB" sz="2800" strike="noStrike" dirty="0">
                 <a:solidFill>
                   <a:srgbClr val="000000"/>
                 </a:solidFill>
@@ -38113,26 +38647,35 @@
               </a:rPr>
               <a:t>Types of mock object?</a:t>
             </a:r>
-            <a:endParaRPr/>
-          </a:p>
-          <a:p>
-            <a:pPr>
-              <a:lnSpc>
-                <a:spcPct val="90000"/>
+            <a:endParaRPr dirty="0"/>
+          </a:p>
+          <a:p>
+            <a:pPr>
+              <a:lnSpc>
+                <a:spcPct val="150000"/>
               </a:lnSpc>
               <a:buFont typeface="Arial"/>
               <a:buChar char="•"/>
             </a:pPr>
             <a:r>
-              <a:rPr lang="en-GB" sz="2800" strike="noStrike">
-                <a:solidFill>
-                  <a:srgbClr val="000000"/>
-                </a:solidFill>
-                <a:latin typeface="Calibri"/>
-              </a:rPr>
-              <a:t>PHPUnit or Prophecy?</a:t>
-            </a:r>
-            <a:endParaRPr/>
+              <a:rPr lang="en-GB" sz="2800" strike="noStrike" dirty="0" err="1">
+                <a:solidFill>
+                  <a:srgbClr val="000000"/>
+                </a:solidFill>
+                <a:latin typeface="Calibri"/>
+              </a:rPr>
+              <a:t>PHPUnit</a:t>
+            </a:r>
+            <a:r>
+              <a:rPr lang="en-GB" sz="2800" strike="noStrike" dirty="0">
+                <a:solidFill>
+                  <a:srgbClr val="000000"/>
+                </a:solidFill>
+                <a:latin typeface="Calibri"/>
+              </a:rPr>
+              <a:t> or Prophecy?</a:t>
+            </a:r>
+            <a:endParaRPr dirty="0"/>
           </a:p>
         </p:txBody>
       </p:sp>
@@ -38528,13 +39071,13 @@
           <a:p>
             <a:pPr>
               <a:lnSpc>
-                <a:spcPct val="90000"/>
+                <a:spcPct val="150000"/>
               </a:lnSpc>
               <a:buFont typeface="Arial"/>
               <a:buChar char="•"/>
             </a:pPr>
             <a:r>
-              <a:rPr lang="en-GB" sz="2800" strike="noStrike">
+              <a:rPr lang="en-GB" sz="2800" strike="noStrike" dirty="0">
                 <a:solidFill>
                   <a:srgbClr val="000000"/>
                 </a:solidFill>
@@ -38542,18 +39085,18 @@
               </a:rPr>
               <a:t>Why use unit testing?</a:t>
             </a:r>
-            <a:endParaRPr/>
-          </a:p>
-          <a:p>
-            <a:pPr>
-              <a:lnSpc>
-                <a:spcPct val="90000"/>
+            <a:endParaRPr dirty="0"/>
+          </a:p>
+          <a:p>
+            <a:pPr>
+              <a:lnSpc>
+                <a:spcPct val="150000"/>
               </a:lnSpc>
               <a:buFont typeface="Arial"/>
               <a:buChar char="•"/>
             </a:pPr>
             <a:r>
-              <a:rPr lang="en-GB" sz="2800" b="1" strike="noStrike">
+              <a:rPr lang="en-GB" sz="2800" b="1" strike="noStrike" dirty="0">
                 <a:solidFill>
                   <a:srgbClr val="000000"/>
                 </a:solidFill>
@@ -38561,18 +39104,18 @@
               </a:rPr>
               <a:t>Why use mock objects?</a:t>
             </a:r>
-            <a:endParaRPr/>
-          </a:p>
-          <a:p>
-            <a:pPr>
-              <a:lnSpc>
-                <a:spcPct val="90000"/>
+            <a:endParaRPr dirty="0"/>
+          </a:p>
+          <a:p>
+            <a:pPr>
+              <a:lnSpc>
+                <a:spcPct val="150000"/>
               </a:lnSpc>
               <a:buFont typeface="Arial"/>
               <a:buChar char="•"/>
             </a:pPr>
             <a:r>
-              <a:rPr lang="en-GB" sz="2800" strike="noStrike">
+              <a:rPr lang="en-GB" sz="2800" strike="noStrike" dirty="0">
                 <a:solidFill>
                   <a:srgbClr val="000000"/>
                 </a:solidFill>
@@ -38580,18 +39123,18 @@
               </a:rPr>
               <a:t>How to use mock objects?</a:t>
             </a:r>
-            <a:endParaRPr/>
-          </a:p>
-          <a:p>
-            <a:pPr>
-              <a:lnSpc>
-                <a:spcPct val="90000"/>
+            <a:endParaRPr dirty="0"/>
+          </a:p>
+          <a:p>
+            <a:pPr>
+              <a:lnSpc>
+                <a:spcPct val="150000"/>
               </a:lnSpc>
               <a:buFont typeface="Arial"/>
               <a:buChar char="•"/>
             </a:pPr>
             <a:r>
-              <a:rPr lang="en-GB" sz="2800" strike="noStrike">
+              <a:rPr lang="en-GB" sz="2800" strike="noStrike" dirty="0">
                 <a:solidFill>
                   <a:srgbClr val="000000"/>
                 </a:solidFill>
@@ -38599,18 +39142,18 @@
               </a:rPr>
               <a:t>When not to use mock objects?</a:t>
             </a:r>
-            <a:endParaRPr/>
-          </a:p>
-          <a:p>
-            <a:pPr>
-              <a:lnSpc>
-                <a:spcPct val="90000"/>
+            <a:endParaRPr dirty="0"/>
+          </a:p>
+          <a:p>
+            <a:pPr>
+              <a:lnSpc>
+                <a:spcPct val="150000"/>
               </a:lnSpc>
               <a:buFont typeface="Arial"/>
               <a:buChar char="•"/>
             </a:pPr>
             <a:r>
-              <a:rPr lang="en-GB" sz="2800" strike="noStrike">
+              <a:rPr lang="en-GB" sz="2800" strike="noStrike" dirty="0">
                 <a:solidFill>
                   <a:srgbClr val="000000"/>
                 </a:solidFill>
@@ -38618,26 +39161,35 @@
               </a:rPr>
               <a:t>Types of mock object?</a:t>
             </a:r>
-            <a:endParaRPr/>
-          </a:p>
-          <a:p>
-            <a:pPr>
-              <a:lnSpc>
-                <a:spcPct val="90000"/>
+            <a:endParaRPr dirty="0"/>
+          </a:p>
+          <a:p>
+            <a:pPr>
+              <a:lnSpc>
+                <a:spcPct val="150000"/>
               </a:lnSpc>
               <a:buFont typeface="Arial"/>
               <a:buChar char="•"/>
             </a:pPr>
             <a:r>
-              <a:rPr lang="en-GB" sz="2800" strike="noStrike">
-                <a:solidFill>
-                  <a:srgbClr val="000000"/>
-                </a:solidFill>
-                <a:latin typeface="Calibri"/>
-              </a:rPr>
-              <a:t>PHPUnit or Prophecy?</a:t>
-            </a:r>
-            <a:endParaRPr/>
+              <a:rPr lang="en-GB" sz="2800" strike="noStrike" dirty="0" err="1">
+                <a:solidFill>
+                  <a:srgbClr val="000000"/>
+                </a:solidFill>
+                <a:latin typeface="Calibri"/>
+              </a:rPr>
+              <a:t>PHPUnit</a:t>
+            </a:r>
+            <a:r>
+              <a:rPr lang="en-GB" sz="2800" strike="noStrike" dirty="0">
+                <a:solidFill>
+                  <a:srgbClr val="000000"/>
+                </a:solidFill>
+                <a:latin typeface="Calibri"/>
+              </a:rPr>
+              <a:t> or Prophecy?</a:t>
+            </a:r>
+            <a:endParaRPr dirty="0"/>
           </a:p>
         </p:txBody>
       </p:sp>
@@ -38916,7 +39468,7 @@
   <a:extraClrSchemeLst/>
   <a:extLst>
     <a:ext uri="{05A4C25C-085E-4340-85A3-A5531E510DB2}">
-      <thm15:themeFamily xmlns="" xmlns:thm15="http://schemas.microsoft.com/office/thememl/2012/main" name="Office Theme" id="{62F939B6-93AF-4DB8-9C6B-D6C7DFDC589F}" vid="{4A3C46E8-61CC-4603-A589-7422A47A8E4A}"/>
+      <thm15:themeFamily xmlns:thm15="http://schemas.microsoft.com/office/thememl/2012/main" xmlns="" name="Office Theme" id="{62F939B6-93AF-4DB8-9C6B-D6C7DFDC589F}" vid="{4A3C46E8-61CC-4603-A589-7422A47A8E4A}"/>
     </a:ext>
   </a:extLst>
 </a:theme>
@@ -39177,7 +39729,7 @@
   <a:extraClrSchemeLst/>
   <a:extLst>
     <a:ext uri="{05A4C25C-085E-4340-85A3-A5531E510DB2}">
-      <thm15:themeFamily xmlns="" xmlns:thm15="http://schemas.microsoft.com/office/thememl/2012/main" name="Office Theme" id="{62F939B6-93AF-4DB8-9C6B-D6C7DFDC589F}" vid="{4A3C46E8-61CC-4603-A589-7422A47A8E4A}"/>
+      <thm15:themeFamily xmlns:thm15="http://schemas.microsoft.com/office/thememl/2012/main" xmlns="" name="Office Theme" id="{62F939B6-93AF-4DB8-9C6B-D6C7DFDC589F}" vid="{4A3C46E8-61CC-4603-A589-7422A47A8E4A}"/>
     </a:ext>
   </a:extLst>
 </a:theme>

--- a/Creating Unit Test Mocks - PHPUnit or Prophecy.pptx
+++ b/Creating Unit Test Mocks - PHPUnit or Prophecy.pptx
@@ -164,7 +164,7 @@
   </p:defaultTextStyle>
   <p:extLst>
     <p:ext uri="{EFAFB233-063F-42B5-8137-9DF3F51BA10A}">
-      <p15:sldGuideLst xmlns:p15="http://schemas.microsoft.com/office/powerpoint/2012/main" xmlns=""/>
+      <p15:sldGuideLst xmlns="" xmlns:p15="http://schemas.microsoft.com/office/powerpoint/2012/main"/>
     </p:ext>
   </p:extLst>
 </p:presentation>
@@ -38134,98 +38134,111 @@
         <p:spPr/>
         <p:txBody>
           <a:bodyPr>
-            <a:normAutofit fontScale="92500" lnSpcReduction="10000"/>
+            <a:normAutofit/>
           </a:bodyPr>
           <a:lstStyle/>
           <a:p>
             <a:pPr marL="0" indent="0">
               <a:buNone/>
             </a:pPr>
-            <a:endParaRPr lang="en-GB" sz="3000" dirty="0" smtClean="0"/>
+            <a:r>
+              <a:rPr lang="en-GB" sz="3000" dirty="0" smtClean="0"/>
+              <a:t>The </a:t>
+            </a:r>
+            <a:r>
+              <a:rPr lang="en-GB" sz="3000" dirty="0"/>
+              <a:t>Programmer's Oath</a:t>
+            </a:r>
           </a:p>
           <a:p>
             <a:pPr marL="0" indent="0">
               <a:buNone/>
             </a:pPr>
             <a:r>
-              <a:rPr lang="en-GB" sz="3000" dirty="0" smtClean="0"/>
-              <a:t>The </a:t>
-            </a:r>
-            <a:r>
-              <a:rPr lang="en-GB" sz="3000" dirty="0"/>
-              <a:t>Programmer's Oath</a:t>
-            </a:r>
+              <a:rPr lang="en-GB" sz="2000" dirty="0"/>
+              <a:t>http://blog.cleancoder.com/uncle-bob/2015/11/18/TheProgrammersOath.html</a:t>
+            </a:r>
+            <a:endParaRPr lang="en-GB" sz="2400" dirty="0"/>
           </a:p>
           <a:p>
             <a:pPr marL="0" indent="0">
               <a:buNone/>
             </a:pPr>
             <a:r>
-              <a:rPr lang="en-GB" sz="2200" dirty="0"/>
-              <a:t>http://blog.cleancoder.com/uncle-bob/2015/11/18/TheProgrammersOath.html</a:t>
-            </a:r>
-            <a:endParaRPr lang="en-GB" sz="2600" dirty="0"/>
-          </a:p>
-          <a:p>
-            <a:endParaRPr lang="en-GB" dirty="0" smtClean="0"/>
+              <a:rPr lang="en-GB" sz="3000" dirty="0" smtClean="0"/>
+              <a:t>Reasons </a:t>
+            </a:r>
+            <a:r>
+              <a:rPr lang="en-GB" sz="3000" dirty="0"/>
+              <a:t>to use a mock object</a:t>
+            </a:r>
           </a:p>
           <a:p>
             <a:pPr marL="0" indent="0">
               <a:buNone/>
             </a:pPr>
             <a:r>
-              <a:rPr lang="en-GB" sz="3000" dirty="0" smtClean="0"/>
-              <a:t>Reasons </a:t>
-            </a:r>
-            <a:r>
-              <a:rPr lang="en-GB" sz="3000" dirty="0"/>
-              <a:t>to use a mock object</a:t>
-            </a:r>
+              <a:rPr lang="en-GB" sz="1900" dirty="0"/>
+              <a:t>http://www.ccs.neu.edu/research/demeter/related-work/extreme-programming/MockObjectsFinal.PDF</a:t>
+            </a:r>
+            <a:endParaRPr lang="en-GB" dirty="0"/>
           </a:p>
           <a:p>
             <a:pPr marL="0" indent="0">
               <a:buNone/>
             </a:pPr>
             <a:r>
-              <a:rPr lang="en-GB" sz="1900" dirty="0"/>
-              <a:t>http://www.ccs.neu.edu/research/demeter/related-work/extreme-programming/MockObjectsFinal.PDF</a:t>
-            </a:r>
-            <a:endParaRPr lang="en-GB" dirty="0"/>
-          </a:p>
-          <a:p>
-            <a:endParaRPr lang="en-GB" dirty="0"/>
+              <a:rPr lang="en-GB" sz="3000" dirty="0" smtClean="0"/>
+              <a:t>Classical/</a:t>
+            </a:r>
+            <a:r>
+              <a:rPr lang="en-GB" sz="3000" dirty="0" err="1" smtClean="0"/>
+              <a:t>Mockist</a:t>
+            </a:r>
+            <a:r>
+              <a:rPr lang="en-GB" sz="3000" dirty="0" smtClean="0"/>
+              <a:t> TDD</a:t>
+            </a:r>
           </a:p>
           <a:p>
             <a:pPr marL="0" indent="0">
               <a:buNone/>
             </a:pPr>
             <a:r>
-              <a:rPr lang="en-GB" sz="3000" dirty="0" smtClean="0"/>
-              <a:t>Other </a:t>
-            </a:r>
-            <a:r>
-              <a:rPr lang="en-GB" sz="3000" dirty="0" smtClean="0"/>
-              <a:t>Testing Frameworks</a:t>
-            </a:r>
-            <a:endParaRPr lang="en-GB" dirty="0"/>
+              <a:rPr lang="en-GB" sz="2000" dirty="0"/>
+              <a:t>http://martinfowler.com/articles/mocksArentStubs.html</a:t>
+            </a:r>
+            <a:endParaRPr lang="en-GB" sz="2000" dirty="0"/>
           </a:p>
           <a:p>
             <a:pPr marL="0" indent="0">
               <a:buNone/>
             </a:pPr>
             <a:r>
-              <a:rPr lang="en-GB" sz="2200" dirty="0"/>
-              <a:t>atoum.org</a:t>
-            </a:r>
+              <a:rPr lang="en-GB" sz="3000" dirty="0" smtClean="0"/>
+              <a:t>Other Testing Frameworks</a:t>
+            </a:r>
+            <a:endParaRPr lang="en-GB" dirty="0"/>
           </a:p>
           <a:p>
             <a:pPr marL="0" indent="0">
               <a:buNone/>
             </a:pPr>
             <a:r>
-              <a:rPr lang="en-GB" sz="2200" dirty="0"/>
-              <a:t>docs.mockery.io</a:t>
-            </a:r>
+              <a:rPr lang="en-GB" sz="2000" dirty="0" smtClean="0"/>
+              <a:t>http://atoum.org</a:t>
+            </a:r>
+            <a:endParaRPr lang="en-GB" sz="2000" dirty="0"/>
+          </a:p>
+          <a:p>
+            <a:pPr marL="0" indent="0">
+              <a:buNone/>
+            </a:pPr>
+            <a:r>
+              <a:rPr lang="en-GB" sz="2000" dirty="0" smtClean="0"/>
+              <a:t>http://docs.mockery.io</a:t>
+            </a:r>
+            <a:endParaRPr lang="en-GB" sz="2000" dirty="0"/>
           </a:p>
         </p:txBody>
       </p:sp>
@@ -39468,7 +39481,7 @@
   <a:extraClrSchemeLst/>
   <a:extLst>
     <a:ext uri="{05A4C25C-085E-4340-85A3-A5531E510DB2}">
-      <thm15:themeFamily xmlns:thm15="http://schemas.microsoft.com/office/thememl/2012/main" xmlns="" name="Office Theme" id="{62F939B6-93AF-4DB8-9C6B-D6C7DFDC589F}" vid="{4A3C46E8-61CC-4603-A589-7422A47A8E4A}"/>
+      <thm15:themeFamily xmlns="" xmlns:thm15="http://schemas.microsoft.com/office/thememl/2012/main" name="Office Theme" id="{62F939B6-93AF-4DB8-9C6B-D6C7DFDC589F}" vid="{4A3C46E8-61CC-4603-A589-7422A47A8E4A}"/>
     </a:ext>
   </a:extLst>
 </a:theme>
@@ -39729,7 +39742,7 @@
   <a:extraClrSchemeLst/>
   <a:extLst>
     <a:ext uri="{05A4C25C-085E-4340-85A3-A5531E510DB2}">
-      <thm15:themeFamily xmlns:thm15="http://schemas.microsoft.com/office/thememl/2012/main" xmlns="" name="Office Theme" id="{62F939B6-93AF-4DB8-9C6B-D6C7DFDC589F}" vid="{4A3C46E8-61CC-4603-A589-7422A47A8E4A}"/>
+      <thm15:themeFamily xmlns="" xmlns:thm15="http://schemas.microsoft.com/office/thememl/2012/main" name="Office Theme" id="{62F939B6-93AF-4DB8-9C6B-D6C7DFDC589F}" vid="{4A3C46E8-61CC-4603-A589-7422A47A8E4A}"/>
     </a:ext>
   </a:extLst>
 </a:theme>
